--- a/LABS/LAB06/Lab6_C#_LoopingStructures.pptx
+++ b/LABS/LAB06/Lab6_C#_LoopingStructures.pptx
@@ -10,13 +10,13 @@
   <p:sldIdLst>
     <p:sldId id="256" r:id="rId2"/>
     <p:sldId id="288" r:id="rId3"/>
-    <p:sldId id="321" r:id="rId4"/>
-    <p:sldId id="336" r:id="rId5"/>
-    <p:sldId id="324" r:id="rId6"/>
-    <p:sldId id="337" r:id="rId7"/>
-    <p:sldId id="339" r:id="rId8"/>
-    <p:sldId id="338" r:id="rId9"/>
-    <p:sldId id="340" r:id="rId10"/>
+    <p:sldId id="337" r:id="rId4"/>
+    <p:sldId id="324" r:id="rId5"/>
+    <p:sldId id="338" r:id="rId6"/>
+    <p:sldId id="339" r:id="rId7"/>
+    <p:sldId id="340" r:id="rId8"/>
+    <p:sldId id="336" r:id="rId9"/>
+    <p:sldId id="321" r:id="rId10"/>
     <p:sldId id="341" r:id="rId11"/>
   </p:sldIdLst>
   <p:sldSz cx="9144000" cy="6858000" type="screen4x3"/>
@@ -1455,7 +1455,7 @@
           </a:lstStyle>
           <a:p>
             <a:r>
-              <a:rPr lang="en-US" smtClean="0"/>
+              <a:rPr lang="en-US"/>
               <a:t>Click to edit Master title style</a:t>
             </a:r>
             <a:endParaRPr lang="en-US" dirty="0"/>
@@ -1575,7 +1575,7 @@
           </a:lstStyle>
           <a:p>
             <a:r>
-              <a:rPr lang="en-US" smtClean="0"/>
+              <a:rPr lang="en-US"/>
               <a:t>Click to edit Master subtitle style</a:t>
             </a:r>
             <a:endParaRPr lang="en-US" dirty="0"/>
@@ -1804,7 +1804,7 @@
           </a:lstStyle>
           <a:p>
             <a:r>
-              <a:rPr lang="en-US" smtClean="0"/>
+              <a:rPr lang="en-US"/>
               <a:t>Click to edit Master title style</a:t>
             </a:r>
             <a:endParaRPr lang="en-US" dirty="0"/>
@@ -1927,7 +1927,7 @@
           <a:p>
             <a:pPr lvl="0"/>
             <a:r>
-              <a:rPr lang="en-US" smtClean="0"/>
+              <a:rPr lang="en-US"/>
               <a:t>Click to edit Master text styles</a:t>
             </a:r>
           </a:p>
@@ -2160,7 +2160,7 @@
           </a:lstStyle>
           <a:p>
             <a:r>
-              <a:rPr lang="en-US" smtClean="0"/>
+              <a:rPr lang="en-US"/>
               <a:t>Click to edit Master title style</a:t>
             </a:r>
             <a:endParaRPr lang="en-US" dirty="0"/>
@@ -2224,7 +2224,7 @@
           <a:p>
             <a:pPr lvl="0"/>
             <a:r>
-              <a:rPr lang="en-US" smtClean="0"/>
+              <a:rPr lang="en-US"/>
               <a:t>Click to edit Master text styles</a:t>
             </a:r>
           </a:p>
@@ -2346,7 +2346,7 @@
           <a:p>
             <a:pPr lvl="0"/>
             <a:r>
-              <a:rPr lang="en-US" smtClean="0"/>
+              <a:rPr lang="en-US"/>
               <a:t>Click to edit Master text styles</a:t>
             </a:r>
           </a:p>
@@ -2655,7 +2655,7 @@
           </a:lstStyle>
           <a:p>
             <a:r>
-              <a:rPr lang="en-US" smtClean="0"/>
+              <a:rPr lang="en-US"/>
               <a:t>Click to edit Master title style</a:t>
             </a:r>
             <a:endParaRPr lang="en-US" dirty="0"/>
@@ -2700,7 +2700,7 @@
               <a:buNone/>
             </a:pPr>
             <a:r>
-              <a:rPr lang="en-US" smtClean="0"/>
+              <a:rPr lang="en-US"/>
               <a:t>Click to edit Master text styles</a:t>
             </a:r>
           </a:p>
@@ -2933,7 +2933,7 @@
           </a:lstStyle>
           <a:p>
             <a:r>
-              <a:rPr lang="en-US" smtClean="0"/>
+              <a:rPr lang="en-US"/>
               <a:t>Click to edit Master title style</a:t>
             </a:r>
             <a:endParaRPr lang="en-US" dirty="0"/>
@@ -2994,7 +2994,7 @@
           <a:p>
             <a:pPr lvl="0"/>
             <a:r>
-              <a:rPr lang="en-US" smtClean="0"/>
+              <a:rPr lang="en-US"/>
               <a:t>Click to edit Master text styles</a:t>
             </a:r>
           </a:p>
@@ -3038,7 +3038,7 @@
               <a:buNone/>
             </a:pPr>
             <a:r>
-              <a:rPr lang="en-US" smtClean="0"/>
+              <a:rPr lang="en-US"/>
               <a:t>Click to edit Master text styles</a:t>
             </a:r>
           </a:p>
@@ -3347,7 +3347,7 @@
           </a:lstStyle>
           <a:p>
             <a:r>
-              <a:rPr lang="en-US" smtClean="0"/>
+              <a:rPr lang="en-US"/>
               <a:t>Click to edit Master title style</a:t>
             </a:r>
             <a:endParaRPr lang="en-US" dirty="0"/>
@@ -3408,7 +3408,7 @@
           <a:p>
             <a:pPr lvl="0"/>
             <a:r>
-              <a:rPr lang="en-US" smtClean="0"/>
+              <a:rPr lang="en-US"/>
               <a:t>Click to edit Master text styles</a:t>
             </a:r>
           </a:p>
@@ -3452,7 +3452,7 @@
               <a:buNone/>
             </a:pPr>
             <a:r>
-              <a:rPr lang="en-US" smtClean="0"/>
+              <a:rPr lang="en-US"/>
               <a:t>Click to edit Master text styles</a:t>
             </a:r>
           </a:p>
@@ -3674,7 +3674,7 @@
           <a:lstStyle/>
           <a:p>
             <a:r>
-              <a:rPr lang="en-US" smtClean="0"/>
+              <a:rPr lang="en-US"/>
               <a:t>Click to edit Master title style</a:t>
             </a:r>
             <a:endParaRPr lang="en-US" dirty="0"/>
@@ -3698,35 +3698,35 @@
           <a:p>
             <a:pPr lvl="0"/>
             <a:r>
-              <a:rPr lang="en-US" smtClean="0"/>
+              <a:rPr lang="en-US"/>
               <a:t>Click to edit Master text styles</a:t>
             </a:r>
           </a:p>
           <a:p>
             <a:pPr lvl="1"/>
             <a:r>
-              <a:rPr lang="en-US" smtClean="0"/>
+              <a:rPr lang="en-US"/>
               <a:t>Second level</a:t>
             </a:r>
           </a:p>
           <a:p>
             <a:pPr lvl="2"/>
             <a:r>
-              <a:rPr lang="en-US" smtClean="0"/>
+              <a:rPr lang="en-US"/>
               <a:t>Third level</a:t>
             </a:r>
           </a:p>
           <a:p>
             <a:pPr lvl="3"/>
             <a:r>
-              <a:rPr lang="en-US" smtClean="0"/>
+              <a:rPr lang="en-US"/>
               <a:t>Fourth level</a:t>
             </a:r>
           </a:p>
           <a:p>
             <a:pPr lvl="4"/>
             <a:r>
-              <a:rPr lang="en-US" smtClean="0"/>
+              <a:rPr lang="en-US"/>
               <a:t>Fifth level</a:t>
             </a:r>
             <a:endParaRPr lang="en-US" dirty="0"/>
@@ -3948,7 +3948,7 @@
           <a:lstStyle/>
           <a:p>
             <a:r>
-              <a:rPr lang="en-US" smtClean="0"/>
+              <a:rPr lang="en-US"/>
               <a:t>Click to edit Master title style</a:t>
             </a:r>
             <a:endParaRPr lang="en-US" dirty="0"/>
@@ -3977,35 +3977,35 @@
           <a:p>
             <a:pPr lvl="0"/>
             <a:r>
-              <a:rPr lang="en-US" smtClean="0"/>
+              <a:rPr lang="en-US"/>
               <a:t>Click to edit Master text styles</a:t>
             </a:r>
           </a:p>
           <a:p>
             <a:pPr lvl="1"/>
             <a:r>
-              <a:rPr lang="en-US" smtClean="0"/>
+              <a:rPr lang="en-US"/>
               <a:t>Second level</a:t>
             </a:r>
           </a:p>
           <a:p>
             <a:pPr lvl="2"/>
             <a:r>
-              <a:rPr lang="en-US" smtClean="0"/>
+              <a:rPr lang="en-US"/>
               <a:t>Third level</a:t>
             </a:r>
           </a:p>
           <a:p>
             <a:pPr lvl="3"/>
             <a:r>
-              <a:rPr lang="en-US" smtClean="0"/>
+              <a:rPr lang="en-US"/>
               <a:t>Fourth level</a:t>
             </a:r>
           </a:p>
           <a:p>
             <a:pPr lvl="4"/>
             <a:r>
-              <a:rPr lang="en-US" smtClean="0"/>
+              <a:rPr lang="en-US"/>
               <a:t>Fifth level</a:t>
             </a:r>
             <a:endParaRPr lang="en-US" dirty="0"/>
@@ -4787,7 +4787,7 @@
           <a:lstStyle/>
           <a:p>
             <a:r>
-              <a:rPr lang="en-US" smtClean="0"/>
+              <a:rPr lang="en-US"/>
               <a:t>Click to edit Master title style</a:t>
             </a:r>
             <a:endParaRPr lang="en-US" dirty="0"/>
@@ -4816,35 +4816,35 @@
           <a:p>
             <a:pPr lvl="0"/>
             <a:r>
-              <a:rPr lang="en-US" smtClean="0"/>
+              <a:rPr lang="en-US"/>
               <a:t>Click to edit Master text styles</a:t>
             </a:r>
           </a:p>
           <a:p>
             <a:pPr lvl="1"/>
             <a:r>
-              <a:rPr lang="en-US" smtClean="0"/>
+              <a:rPr lang="en-US"/>
               <a:t>Second level</a:t>
             </a:r>
           </a:p>
           <a:p>
             <a:pPr lvl="2"/>
             <a:r>
-              <a:rPr lang="en-US" smtClean="0"/>
+              <a:rPr lang="en-US"/>
               <a:t>Third level</a:t>
             </a:r>
           </a:p>
           <a:p>
             <a:pPr lvl="3"/>
             <a:r>
-              <a:rPr lang="en-US" smtClean="0"/>
+              <a:rPr lang="en-US"/>
               <a:t>Fourth level</a:t>
             </a:r>
           </a:p>
           <a:p>
             <a:pPr lvl="4"/>
             <a:r>
-              <a:rPr lang="en-US" smtClean="0"/>
+              <a:rPr lang="en-US"/>
               <a:t>Fifth level</a:t>
             </a:r>
             <a:endParaRPr lang="en-US" dirty="0"/>
@@ -5071,7 +5071,7 @@
           </a:lstStyle>
           <a:p>
             <a:r>
-              <a:rPr lang="en-US" smtClean="0"/>
+              <a:rPr lang="en-US"/>
               <a:t>Click to edit Master title style</a:t>
             </a:r>
             <a:endParaRPr lang="en-US" dirty="0"/>
@@ -5192,7 +5192,7 @@
           <a:p>
             <a:pPr lvl="0"/>
             <a:r>
-              <a:rPr lang="en-US" smtClean="0"/>
+              <a:rPr lang="en-US"/>
               <a:t>Click to edit Master text styles</a:t>
             </a:r>
           </a:p>
@@ -5413,7 +5413,7 @@
           <a:lstStyle/>
           <a:p>
             <a:r>
-              <a:rPr lang="en-US" smtClean="0"/>
+              <a:rPr lang="en-US"/>
               <a:t>Click to edit Master title style</a:t>
             </a:r>
             <a:endParaRPr lang="en-US" dirty="0"/>
@@ -5444,35 +5444,35 @@
           <a:p>
             <a:pPr lvl="0"/>
             <a:r>
-              <a:rPr lang="en-US" smtClean="0"/>
+              <a:rPr lang="en-US"/>
               <a:t>Click to edit Master text styles</a:t>
             </a:r>
           </a:p>
           <a:p>
             <a:pPr lvl="1"/>
             <a:r>
-              <a:rPr lang="en-US" smtClean="0"/>
+              <a:rPr lang="en-US"/>
               <a:t>Second level</a:t>
             </a:r>
           </a:p>
           <a:p>
             <a:pPr lvl="2"/>
             <a:r>
-              <a:rPr lang="en-US" smtClean="0"/>
+              <a:rPr lang="en-US"/>
               <a:t>Third level</a:t>
             </a:r>
           </a:p>
           <a:p>
             <a:pPr lvl="3"/>
             <a:r>
-              <a:rPr lang="en-US" smtClean="0"/>
+              <a:rPr lang="en-US"/>
               <a:t>Fourth level</a:t>
             </a:r>
           </a:p>
           <a:p>
             <a:pPr lvl="4"/>
             <a:r>
-              <a:rPr lang="en-US" smtClean="0"/>
+              <a:rPr lang="en-US"/>
               <a:t>Fifth level</a:t>
             </a:r>
             <a:endParaRPr lang="en-US" dirty="0"/>
@@ -5503,35 +5503,35 @@
           <a:p>
             <a:pPr lvl="0"/>
             <a:r>
-              <a:rPr lang="en-US" smtClean="0"/>
+              <a:rPr lang="en-US"/>
               <a:t>Click to edit Master text styles</a:t>
             </a:r>
           </a:p>
           <a:p>
             <a:pPr lvl="1"/>
             <a:r>
-              <a:rPr lang="en-US" smtClean="0"/>
+              <a:rPr lang="en-US"/>
               <a:t>Second level</a:t>
             </a:r>
           </a:p>
           <a:p>
             <a:pPr lvl="2"/>
             <a:r>
-              <a:rPr lang="en-US" smtClean="0"/>
+              <a:rPr lang="en-US"/>
               <a:t>Third level</a:t>
             </a:r>
           </a:p>
           <a:p>
             <a:pPr lvl="3"/>
             <a:r>
-              <a:rPr lang="en-US" smtClean="0"/>
+              <a:rPr lang="en-US"/>
               <a:t>Fourth level</a:t>
             </a:r>
           </a:p>
           <a:p>
             <a:pPr lvl="4"/>
             <a:r>
-              <a:rPr lang="en-US" smtClean="0"/>
+              <a:rPr lang="en-US"/>
               <a:t>Fifth level</a:t>
             </a:r>
             <a:endParaRPr lang="en-US" dirty="0"/>
@@ -5753,7 +5753,7 @@
           <a:lstStyle/>
           <a:p>
             <a:r>
-              <a:rPr lang="en-US" smtClean="0"/>
+              <a:rPr lang="en-US"/>
               <a:t>Click to edit Master title style</a:t>
             </a:r>
             <a:endParaRPr lang="en-US" dirty="0"/>
@@ -5821,7 +5821,7 @@
           <a:p>
             <a:pPr lvl="0"/>
             <a:r>
-              <a:rPr lang="en-US" smtClean="0"/>
+              <a:rPr lang="en-US"/>
               <a:t>Click to edit Master text styles</a:t>
             </a:r>
           </a:p>
@@ -5851,35 +5851,35 @@
           <a:p>
             <a:pPr lvl="0"/>
             <a:r>
-              <a:rPr lang="en-US" smtClean="0"/>
+              <a:rPr lang="en-US"/>
               <a:t>Click to edit Master text styles</a:t>
             </a:r>
           </a:p>
           <a:p>
             <a:pPr lvl="1"/>
             <a:r>
-              <a:rPr lang="en-US" smtClean="0"/>
+              <a:rPr lang="en-US"/>
               <a:t>Second level</a:t>
             </a:r>
           </a:p>
           <a:p>
             <a:pPr lvl="2"/>
             <a:r>
-              <a:rPr lang="en-US" smtClean="0"/>
+              <a:rPr lang="en-US"/>
               <a:t>Third level</a:t>
             </a:r>
           </a:p>
           <a:p>
             <a:pPr lvl="3"/>
             <a:r>
-              <a:rPr lang="en-US" smtClean="0"/>
+              <a:rPr lang="en-US"/>
               <a:t>Fourth level</a:t>
             </a:r>
           </a:p>
           <a:p>
             <a:pPr lvl="4"/>
             <a:r>
-              <a:rPr lang="en-US" smtClean="0"/>
+              <a:rPr lang="en-US"/>
               <a:t>Fifth level</a:t>
             </a:r>
             <a:endParaRPr lang="en-US" dirty="0"/>
@@ -5947,7 +5947,7 @@
           <a:p>
             <a:pPr lvl="0"/>
             <a:r>
-              <a:rPr lang="en-US" smtClean="0"/>
+              <a:rPr lang="en-US"/>
               <a:t>Click to edit Master text styles</a:t>
             </a:r>
           </a:p>
@@ -5977,35 +5977,35 @@
           <a:p>
             <a:pPr lvl="0"/>
             <a:r>
-              <a:rPr lang="en-US" smtClean="0"/>
+              <a:rPr lang="en-US"/>
               <a:t>Click to edit Master text styles</a:t>
             </a:r>
           </a:p>
           <a:p>
             <a:pPr lvl="1"/>
             <a:r>
-              <a:rPr lang="en-US" smtClean="0"/>
+              <a:rPr lang="en-US"/>
               <a:t>Second level</a:t>
             </a:r>
           </a:p>
           <a:p>
             <a:pPr lvl="2"/>
             <a:r>
-              <a:rPr lang="en-US" smtClean="0"/>
+              <a:rPr lang="en-US"/>
               <a:t>Third level</a:t>
             </a:r>
           </a:p>
           <a:p>
             <a:pPr lvl="3"/>
             <a:r>
-              <a:rPr lang="en-US" smtClean="0"/>
+              <a:rPr lang="en-US"/>
               <a:t>Fourth level</a:t>
             </a:r>
           </a:p>
           <a:p>
             <a:pPr lvl="4"/>
             <a:r>
-              <a:rPr lang="en-US" smtClean="0"/>
+              <a:rPr lang="en-US"/>
               <a:t>Fifth level</a:t>
             </a:r>
             <a:endParaRPr lang="en-US" dirty="0"/>
@@ -6232,7 +6232,7 @@
           <a:lstStyle/>
           <a:p>
             <a:r>
-              <a:rPr lang="en-US" smtClean="0"/>
+              <a:rPr lang="en-US"/>
               <a:t>Click to edit Master title style</a:t>
             </a:r>
             <a:endParaRPr lang="en-US" dirty="0"/>
@@ -6652,7 +6652,7 @@
           </a:lstStyle>
           <a:p>
             <a:r>
-              <a:rPr lang="en-US" smtClean="0"/>
+              <a:rPr lang="en-US"/>
               <a:t>Click to edit Master title style</a:t>
             </a:r>
             <a:endParaRPr lang="en-US" dirty="0"/>
@@ -6683,35 +6683,35 @@
           <a:p>
             <a:pPr lvl="0"/>
             <a:r>
-              <a:rPr lang="en-US" smtClean="0"/>
+              <a:rPr lang="en-US"/>
               <a:t>Click to edit Master text styles</a:t>
             </a:r>
           </a:p>
           <a:p>
             <a:pPr lvl="1"/>
             <a:r>
-              <a:rPr lang="en-US" smtClean="0"/>
+              <a:rPr lang="en-US"/>
               <a:t>Second level</a:t>
             </a:r>
           </a:p>
           <a:p>
             <a:pPr lvl="2"/>
             <a:r>
-              <a:rPr lang="en-US" smtClean="0"/>
+              <a:rPr lang="en-US"/>
               <a:t>Third level</a:t>
             </a:r>
           </a:p>
           <a:p>
             <a:pPr lvl="3"/>
             <a:r>
-              <a:rPr lang="en-US" smtClean="0"/>
+              <a:rPr lang="en-US"/>
               <a:t>Fourth level</a:t>
             </a:r>
           </a:p>
           <a:p>
             <a:pPr lvl="4"/>
             <a:r>
-              <a:rPr lang="en-US" smtClean="0"/>
+              <a:rPr lang="en-US"/>
               <a:t>Fifth level</a:t>
             </a:r>
             <a:endParaRPr lang="en-US" dirty="0"/>
@@ -6777,7 +6777,7 @@
           <a:p>
             <a:pPr lvl="0"/>
             <a:r>
-              <a:rPr lang="en-US" smtClean="0"/>
+              <a:rPr lang="en-US"/>
               <a:t>Click to edit Master text styles</a:t>
             </a:r>
           </a:p>
@@ -7004,7 +7004,7 @@
           </a:lstStyle>
           <a:p>
             <a:r>
-              <a:rPr lang="en-US" smtClean="0"/>
+              <a:rPr lang="en-US"/>
               <a:t>Click to edit Master title style</a:t>
             </a:r>
             <a:endParaRPr lang="en-US" dirty="0"/>
@@ -7071,7 +7071,7 @@
           </a:lstStyle>
           <a:p>
             <a:r>
-              <a:rPr lang="en-US" smtClean="0"/>
+              <a:rPr lang="en-US"/>
               <a:t>Click icon to add picture</a:t>
             </a:r>
             <a:endParaRPr lang="en-US" dirty="0"/>
@@ -7139,7 +7139,7 @@
           <a:p>
             <a:pPr lvl="0"/>
             <a:r>
-              <a:rPr lang="en-US" smtClean="0"/>
+              <a:rPr lang="en-US"/>
               <a:t>Click to edit Master text styles</a:t>
             </a:r>
           </a:p>
@@ -9192,7 +9192,7 @@
           <a:lstStyle/>
           <a:p>
             <a:r>
-              <a:rPr lang="en-US" smtClean="0"/>
+              <a:rPr lang="en-US"/>
               <a:t>Click to edit Master title style</a:t>
             </a:r>
             <a:endParaRPr lang="en-US" dirty="0"/>
@@ -9226,35 +9226,35 @@
           <a:p>
             <a:pPr lvl="0"/>
             <a:r>
-              <a:rPr lang="en-US" smtClean="0"/>
+              <a:rPr lang="en-US"/>
               <a:t>Click to edit Master text styles</a:t>
             </a:r>
           </a:p>
           <a:p>
             <a:pPr lvl="1"/>
             <a:r>
-              <a:rPr lang="en-US" smtClean="0"/>
+              <a:rPr lang="en-US"/>
               <a:t>Second level</a:t>
             </a:r>
           </a:p>
           <a:p>
             <a:pPr lvl="2"/>
             <a:r>
-              <a:rPr lang="en-US" smtClean="0"/>
+              <a:rPr lang="en-US"/>
               <a:t>Third level</a:t>
             </a:r>
           </a:p>
           <a:p>
             <a:pPr lvl="3"/>
             <a:r>
-              <a:rPr lang="en-US" smtClean="0"/>
+              <a:rPr lang="en-US"/>
               <a:t>Fourth level</a:t>
             </a:r>
           </a:p>
           <a:p>
             <a:pPr lvl="4"/>
             <a:r>
-              <a:rPr lang="en-US" smtClean="0"/>
+              <a:rPr lang="en-US"/>
               <a:t>Fifth level</a:t>
             </a:r>
             <a:endParaRPr lang="en-US" dirty="0"/>
@@ -9875,7 +9875,7 @@
               <a:buNone/>
             </a:pPr>
             <a:r>
-              <a:rPr lang="en-US" sz="4400" b="1" dirty="0" smtClean="0">
+              <a:rPr lang="en-US" sz="4400" b="1" dirty="0">
                 <a:solidFill>
                   <a:schemeClr val="tx1"/>
                 </a:solidFill>
@@ -9885,14 +9885,6 @@
               </a:rPr>
               <a:t>Looping Structures</a:t>
             </a:r>
-            <a:endParaRPr lang="en-US" sz="4400" b="1" dirty="0">
-              <a:solidFill>
-                <a:schemeClr val="tx1"/>
-              </a:solidFill>
-              <a:ea typeface="Arial"/>
-              <a:cs typeface="Arial"/>
-              <a:sym typeface="Arial"/>
-            </a:endParaRPr>
           </a:p>
         </p:txBody>
       </p:sp>
@@ -9940,18 +9932,7 @@
                 <a:cs typeface="Arial"/>
                 <a:sym typeface="Arial"/>
               </a:rPr>
-              <a:t>AGGP </a:t>
-            </a:r>
-            <a:r>
-              <a:rPr lang="en-US" b="1" dirty="0" smtClean="0">
-                <a:solidFill>
-                  <a:schemeClr val="tx1"/>
-                </a:solidFill>
-                <a:ea typeface="Arial"/>
-                <a:cs typeface="Arial"/>
-                <a:sym typeface="Arial"/>
-              </a:rPr>
-              <a:t>101c</a:t>
+              <a:t>AGGP 101c</a:t>
             </a:r>
           </a:p>
           <a:p>
@@ -9962,7 +9943,7 @@
               <a:buSzPct val="25000"/>
             </a:pPr>
             <a:r>
-              <a:rPr lang="en-US" b="1" dirty="0" smtClean="0">
+              <a:rPr lang="en-US" b="1" dirty="0">
                 <a:solidFill>
                   <a:schemeClr val="tx1"/>
                 </a:solidFill>
@@ -9970,29 +9951,7 @@
                 <a:cs typeface="Arial"/>
                 <a:sym typeface="Arial"/>
               </a:rPr>
-              <a:t>Introduction </a:t>
-            </a:r>
-            <a:r>
-              <a:rPr lang="en-US" b="1" dirty="0">
-                <a:solidFill>
-                  <a:schemeClr val="tx1"/>
-                </a:solidFill>
-                <a:ea typeface="Arial"/>
-                <a:cs typeface="Arial"/>
-                <a:sym typeface="Arial"/>
-              </a:rPr>
-              <a:t>to Game Design </a:t>
-            </a:r>
-            <a:r>
-              <a:rPr lang="en-US" b="1" dirty="0" smtClean="0">
-                <a:solidFill>
-                  <a:schemeClr val="tx1"/>
-                </a:solidFill>
-                <a:ea typeface="Arial"/>
-                <a:cs typeface="Arial"/>
-                <a:sym typeface="Arial"/>
-              </a:rPr>
-              <a:t>and </a:t>
+              <a:t>Introduction to Game Design and </a:t>
             </a:r>
           </a:p>
           <a:p>
@@ -10003,7 +9962,7 @@
               <a:buSzPct val="25000"/>
             </a:pPr>
             <a:r>
-              <a:rPr lang="en-US" b="1" dirty="0" smtClean="0">
+              <a:rPr lang="en-US" b="1" dirty="0">
                 <a:solidFill>
                   <a:schemeClr val="tx1"/>
                 </a:solidFill>
@@ -10011,18 +9970,7 @@
                 <a:cs typeface="Arial"/>
                 <a:sym typeface="Arial"/>
               </a:rPr>
-              <a:t>Creation </a:t>
-            </a:r>
-            <a:r>
-              <a:rPr lang="en-US" b="1" dirty="0">
-                <a:solidFill>
-                  <a:schemeClr val="tx1"/>
-                </a:solidFill>
-                <a:ea typeface="Arial"/>
-                <a:cs typeface="Arial"/>
-                <a:sym typeface="Arial"/>
-              </a:rPr>
-              <a:t>with Programming</a:t>
+              <a:t>Creation with Programming</a:t>
             </a:r>
             <a:endParaRPr lang="en-US" sz="3200" b="0" i="0" u="none" strike="noStrike" cap="none" dirty="0">
               <a:solidFill>
@@ -10040,13 +9988,6 @@
   <p:clrMapOvr>
     <a:masterClrMapping/>
   </p:clrMapOvr>
-  <p:timing>
-    <p:tnLst>
-      <p:par>
-        <p:cTn id="1" dur="indefinite" restart="never" nodeType="tmRoot"/>
-      </p:par>
-    </p:tnLst>
-  </p:timing>
 </p:sld>
 </file>
 
@@ -10085,14 +10026,14 @@
           <a:lstStyle/>
           <a:p>
             <a:r>
-              <a:rPr lang="en-US" dirty="0" smtClean="0"/>
+              <a:rPr lang="en-US" dirty="0"/>
               <a:t>WHILE </a:t>
             </a:r>
             <a:br>
-              <a:rPr lang="en-US" dirty="0" smtClean="0"/>
+              <a:rPr lang="en-US" dirty="0"/>
             </a:br>
             <a:r>
-              <a:rPr lang="en-US" dirty="0" smtClean="0"/>
+              <a:rPr lang="en-US" dirty="0"/>
               <a:t>Examples</a:t>
             </a:r>
             <a:endParaRPr lang="en-US" sz="3600" dirty="0"/>
@@ -10141,15 +10082,15 @@
           <a:lstStyle/>
           <a:p>
             <a:r>
-              <a:rPr lang="en-US" dirty="0" smtClean="0"/>
+              <a:rPr lang="en-US" dirty="0"/>
               <a:t>MSDN C# Documentation features 3 examples using a For and </a:t>
             </a:r>
             <a:r>
-              <a:rPr lang="en-US" dirty="0" err="1" smtClean="0"/>
+              <a:rPr lang="en-US" dirty="0" err="1"/>
               <a:t>Foreach</a:t>
             </a:r>
             <a:r>
-              <a:rPr lang="en-US" dirty="0" smtClean="0"/>
+              <a:rPr lang="en-US" dirty="0"/>
               <a:t> In</a:t>
             </a:r>
           </a:p>
@@ -10161,18 +10102,12 @@
               <a:rPr lang="en-US" dirty="0">
                 <a:hlinkClick r:id="rId2"/>
               </a:rPr>
-              <a:t>https://</a:t>
-            </a:r>
-            <a:r>
-              <a:rPr lang="en-US" dirty="0" smtClean="0">
-                <a:hlinkClick r:id="rId2"/>
-              </a:rPr>
-              <a:t>docs.microsoft.com/en-us/dotnet/csharp/language-reference/keywords/foreach-in</a:t>
-            </a:r>
-            <a:endParaRPr lang="en-US" dirty="0" smtClean="0"/>
-          </a:p>
-          <a:p>
-            <a:endParaRPr lang="en-US" dirty="0" smtClean="0"/>
+              <a:t>https://docs.microsoft.com/en-us/dotnet/csharp/language-reference/keywords/foreach-in</a:t>
+            </a:r>
+            <a:endParaRPr lang="en-US" dirty="0"/>
+          </a:p>
+          <a:p>
+            <a:endParaRPr lang="en-US" dirty="0"/>
           </a:p>
         </p:txBody>
       </p:sp>
@@ -10186,13 +10121,6 @@
   <p:clrMapOvr>
     <a:masterClrMapping/>
   </p:clrMapOvr>
-  <p:timing>
-    <p:tnLst>
-      <p:par>
-        <p:cTn id="1" dur="indefinite" restart="never" nodeType="tmRoot"/>
-      </p:par>
-    </p:tnLst>
-  </p:timing>
 </p:sld>
 </file>
 
@@ -10229,10 +10157,9 @@
           <a:lstStyle/>
           <a:p>
             <a:r>
-              <a:rPr lang="en-US" dirty="0" smtClean="0"/>
+              <a:rPr lang="en-US" dirty="0"/>
               <a:t>Looping Structures</a:t>
             </a:r>
-            <a:endParaRPr lang="en-US" dirty="0"/>
           </a:p>
         </p:txBody>
       </p:sp>
@@ -10257,7 +10184,7 @@
               <a:buNone/>
             </a:pPr>
             <a:r>
-              <a:rPr lang="en-US" sz="2000" b="1" dirty="0" smtClean="0">
+              <a:rPr lang="en-US" sz="2000" b="1" dirty="0">
                 <a:latin typeface="+mn-lt"/>
                 <a:cs typeface="Courier New" panose="02070309020205020404" pitchFamily="49" charset="0"/>
               </a:rPr>
@@ -10268,7 +10195,7 @@
             <a:pPr marL="203200" indent="0">
               <a:buNone/>
             </a:pPr>
-            <a:endParaRPr lang="en-US" sz="2000" b="1" dirty="0" smtClean="0">
+            <a:endParaRPr lang="en-US" sz="2000" b="1" dirty="0">
               <a:latin typeface="+mn-lt"/>
               <a:cs typeface="Courier New" panose="02070309020205020404" pitchFamily="49" charset="0"/>
             </a:endParaRPr>
@@ -10278,19 +10205,7 @@
               <a:buNone/>
             </a:pPr>
             <a:r>
-              <a:rPr lang="en-US" sz="4400" b="1" dirty="0" smtClean="0">
-                <a:latin typeface="+mn-lt"/>
-                <a:cs typeface="Courier New" panose="02070309020205020404" pitchFamily="49" charset="0"/>
-              </a:rPr>
-              <a:t>WHILE \ DO WHILE</a:t>
-            </a:r>
-          </a:p>
-          <a:p>
-            <a:pPr marL="203200" indent="0" algn="ctr">
-              <a:buNone/>
-            </a:pPr>
-            <a:r>
-              <a:rPr lang="en-US" sz="4400" b="1" dirty="0" smtClean="0">
+              <a:rPr lang="en-US" sz="4400" b="1" dirty="0">
                 <a:latin typeface="+mn-lt"/>
                 <a:cs typeface="Courier New" panose="02070309020205020404" pitchFamily="49" charset="0"/>
               </a:rPr>
@@ -10302,13 +10217,29 @@
               <a:buNone/>
             </a:pPr>
             <a:r>
-              <a:rPr lang="en-US" sz="4400" b="1" dirty="0" smtClean="0">
+              <a:rPr lang="en-US" sz="4400" b="1" dirty="0">
                 <a:latin typeface="+mn-lt"/>
                 <a:cs typeface="Courier New" panose="02070309020205020404" pitchFamily="49" charset="0"/>
               </a:rPr>
               <a:t>FOREACH IN</a:t>
             </a:r>
-            <a:endParaRPr lang="en-US" sz="4400" b="1" dirty="0" smtClean="0">
+          </a:p>
+          <a:p>
+            <a:pPr marL="203200" indent="0" algn="ctr">
+              <a:buNone/>
+            </a:pPr>
+            <a:r>
+              <a:rPr lang="en-US" sz="4400" b="1" dirty="0">
+                <a:cs typeface="Courier New" panose="02070309020205020404" pitchFamily="49" charset="0"/>
+              </a:rPr>
+              <a:t>WHILE \ DO WHILE</a:t>
+            </a:r>
+          </a:p>
+          <a:p>
+            <a:pPr marL="203200" indent="0" algn="ctr">
+              <a:buNone/>
+            </a:pPr>
+            <a:endParaRPr lang="en-US" sz="4400" b="1" dirty="0">
               <a:latin typeface="+mn-lt"/>
               <a:cs typeface="Courier New" panose="02070309020205020404" pitchFamily="49" charset="0"/>
             </a:endParaRPr>
@@ -10344,13 +10275,6 @@
   <p:clrMapOvr>
     <a:masterClrMapping/>
   </p:clrMapOvr>
-  <p:timing>
-    <p:tnLst>
-      <p:par>
-        <p:cTn id="1" dur="indefinite" restart="never" nodeType="tmRoot"/>
-      </p:par>
-    </p:tnLst>
-  </p:timing>
 </p:sld>
 </file>
 
@@ -10383,14 +10307,899 @@
         </p:nvSpPr>
         <p:spPr/>
         <p:txBody>
+          <a:bodyPr>
+            <a:normAutofit fontScale="90000"/>
+          </a:bodyPr>
+          <a:lstStyle/>
+          <a:p>
+            <a:r>
+              <a:rPr lang="en-US" dirty="0"/>
+              <a:t>FOR</a:t>
+            </a:r>
+            <a:br>
+              <a:rPr lang="en-US" dirty="0"/>
+            </a:br>
+            <a:r>
+              <a:rPr lang="en-US" sz="3600" dirty="0"/>
+              <a:t>Best Practices</a:t>
+            </a:r>
+          </a:p>
+        </p:txBody>
+      </p:sp>
+      <p:sp>
+        <p:nvSpPr>
+          <p:cNvPr id="4" name="Text Placeholder 3"/>
+          <p:cNvSpPr>
+            <a:spLocks noGrp="1"/>
+          </p:cNvSpPr>
+          <p:nvPr>
+            <p:ph type="body" idx="2"/>
+          </p:nvPr>
+        </p:nvSpPr>
+        <p:spPr/>
+        <p:txBody>
           <a:bodyPr/>
           <a:lstStyle/>
           <a:p>
-            <a:r>
-              <a:rPr lang="en-US" dirty="0" smtClean="0"/>
+            <a:endParaRPr lang="en-US" dirty="0"/>
+          </a:p>
+        </p:txBody>
+      </p:sp>
+      <p:sp>
+        <p:nvSpPr>
+          <p:cNvPr id="6" name="Text Placeholder 5"/>
+          <p:cNvSpPr>
+            <a:spLocks noGrp="1"/>
+          </p:cNvSpPr>
+          <p:nvPr>
+            <p:ph type="body" idx="1"/>
+          </p:nvPr>
+        </p:nvSpPr>
+        <p:spPr>
+          <a:xfrm>
+            <a:off x="457200" y="1600200"/>
+            <a:ext cx="7315200" cy="3200399"/>
+          </a:xfrm>
+        </p:spPr>
+        <p:txBody>
+          <a:bodyPr>
+            <a:normAutofit fontScale="92500" lnSpcReduction="10000"/>
+          </a:bodyPr>
+          <a:lstStyle/>
+          <a:p>
+            <a:r>
+              <a:rPr lang="en-US" dirty="0"/>
+              <a:t>A for while loop is used when you know the number of times you’ll need to loop. </a:t>
+            </a:r>
+          </a:p>
+          <a:p>
+            <a:r>
+              <a:rPr lang="en-US" dirty="0"/>
+              <a:t>If you need the information related to the index variable, declare the variable before the for loop.</a:t>
+            </a:r>
+          </a:p>
+          <a:p>
+            <a:pPr lvl="1"/>
+            <a:r>
+              <a:rPr lang="en-US" dirty="0"/>
+              <a:t> If you wanted to store the last index processed, for example </a:t>
+            </a:r>
+          </a:p>
+        </p:txBody>
+      </p:sp>
+    </p:spTree>
+    <p:extLst>
+      <p:ext uri="{BB962C8B-B14F-4D97-AF65-F5344CB8AC3E}">
+        <p14:creationId xmlns:p14="http://schemas.microsoft.com/office/powerpoint/2010/main" val="759618185"/>
+      </p:ext>
+    </p:extLst>
+  </p:cSld>
+  <p:clrMapOvr>
+    <a:masterClrMapping/>
+  </p:clrMapOvr>
+</p:sld>
+</file>
+
+<file path=ppt/slides/slide4.xml><?xml version="1.0" encoding="utf-8"?>
+<p:sld xmlns:a="http://schemas.openxmlformats.org/drawingml/2006/main" xmlns:r="http://schemas.openxmlformats.org/officeDocument/2006/relationships" xmlns:p="http://schemas.openxmlformats.org/presentationml/2006/main">
+  <p:cSld>
+    <p:spTree>
+      <p:nvGrpSpPr>
+        <p:cNvPr id="1" name=""/>
+        <p:cNvGrpSpPr/>
+        <p:nvPr/>
+      </p:nvGrpSpPr>
+      <p:grpSpPr>
+        <a:xfrm>
+          <a:off x="0" y="0"/>
+          <a:ext cx="0" cy="0"/>
+          <a:chOff x="0" y="0"/>
+          <a:chExt cx="0" cy="0"/>
+        </a:xfrm>
+      </p:grpSpPr>
+      <p:sp>
+        <p:nvSpPr>
+          <p:cNvPr id="2" name="Title 1"/>
+          <p:cNvSpPr>
+            <a:spLocks noGrp="1"/>
+          </p:cNvSpPr>
+          <p:nvPr>
+            <p:ph type="title"/>
+          </p:nvPr>
+        </p:nvSpPr>
+        <p:spPr/>
+        <p:txBody>
+          <a:bodyPr/>
+          <a:lstStyle/>
+          <a:p>
+            <a:r>
+              <a:rPr lang="en-US" dirty="0"/>
+              <a:t>FOR</a:t>
+            </a:r>
+          </a:p>
+        </p:txBody>
+      </p:sp>
+      <p:sp>
+        <p:nvSpPr>
+          <p:cNvPr id="3" name="Text Placeholder 2"/>
+          <p:cNvSpPr>
+            <a:spLocks noGrp="1"/>
+          </p:cNvSpPr>
+          <p:nvPr>
+            <p:ph type="body" idx="1"/>
+          </p:nvPr>
+        </p:nvSpPr>
+        <p:spPr/>
+        <p:txBody>
+          <a:bodyPr>
+            <a:noAutofit/>
+          </a:bodyPr>
+          <a:lstStyle/>
+          <a:p>
+            <a:pPr marL="203200" indent="0">
+              <a:buNone/>
+            </a:pPr>
+            <a:r>
+              <a:rPr lang="en-US" sz="1800" b="1" dirty="0">
+                <a:latin typeface="Courier New" panose="02070309020205020404" pitchFamily="49" charset="0"/>
+                <a:cs typeface="Courier New" panose="02070309020205020404" pitchFamily="49" charset="0"/>
+              </a:rPr>
+              <a:t>for (initializer ; conditional ; </a:t>
+            </a:r>
+            <a:r>
+              <a:rPr lang="en-US" sz="1800" b="1" dirty="0" err="1">
+                <a:latin typeface="Courier New" panose="02070309020205020404" pitchFamily="49" charset="0"/>
+                <a:cs typeface="Courier New" panose="02070309020205020404" pitchFamily="49" charset="0"/>
+              </a:rPr>
+              <a:t>incrementer</a:t>
+            </a:r>
+            <a:r>
+              <a:rPr lang="en-US" sz="1800" b="1" dirty="0">
+                <a:latin typeface="Courier New" panose="02070309020205020404" pitchFamily="49" charset="0"/>
+                <a:cs typeface="Courier New" panose="02070309020205020404" pitchFamily="49" charset="0"/>
+              </a:rPr>
+              <a:t> )</a:t>
+            </a:r>
+          </a:p>
+          <a:p>
+            <a:pPr marL="203200" indent="0">
+              <a:buNone/>
+            </a:pPr>
+            <a:r>
+              <a:rPr lang="en-US" sz="1800" b="1" dirty="0">
+                <a:latin typeface="Courier New" panose="02070309020205020404" pitchFamily="49" charset="0"/>
+                <a:cs typeface="Courier New" panose="02070309020205020404" pitchFamily="49" charset="0"/>
+              </a:rPr>
+              <a:t>{</a:t>
+            </a:r>
+          </a:p>
+          <a:p>
+            <a:pPr marL="203200" indent="0">
+              <a:buNone/>
+            </a:pPr>
+            <a:r>
+              <a:rPr lang="en-US" sz="1800" b="1" dirty="0">
+                <a:latin typeface="Courier New" panose="02070309020205020404" pitchFamily="49" charset="0"/>
+                <a:cs typeface="Courier New" panose="02070309020205020404" pitchFamily="49" charset="0"/>
+              </a:rPr>
+              <a:t>		// code block</a:t>
+            </a:r>
+          </a:p>
+          <a:p>
+            <a:pPr marL="203200" indent="0">
+              <a:buNone/>
+            </a:pPr>
+            <a:r>
+              <a:rPr lang="en-US" sz="1800" b="1" dirty="0">
+                <a:latin typeface="Courier New" panose="02070309020205020404" pitchFamily="49" charset="0"/>
+                <a:cs typeface="Courier New" panose="02070309020205020404" pitchFamily="49" charset="0"/>
+              </a:rPr>
+              <a:t>}</a:t>
+            </a:r>
+          </a:p>
+          <a:p>
+            <a:pPr marL="203200" indent="0">
+              <a:buNone/>
+            </a:pPr>
+            <a:endParaRPr lang="en-US" sz="1800" b="1" dirty="0">
+              <a:latin typeface="Courier New" panose="02070309020205020404" pitchFamily="49" charset="0"/>
+              <a:cs typeface="Courier New" panose="02070309020205020404" pitchFamily="49" charset="0"/>
+            </a:endParaRPr>
+          </a:p>
+          <a:p>
+            <a:pPr marL="203200" indent="0">
+              <a:buNone/>
+            </a:pPr>
+            <a:endParaRPr lang="en-US" sz="1800" b="1" dirty="0">
+              <a:latin typeface="Courier New" panose="02070309020205020404" pitchFamily="49" charset="0"/>
+              <a:cs typeface="Courier New" panose="02070309020205020404" pitchFamily="49" charset="0"/>
+            </a:endParaRPr>
+          </a:p>
+        </p:txBody>
+      </p:sp>
+      <p:sp>
+        <p:nvSpPr>
+          <p:cNvPr id="4" name="Text Placeholder 3"/>
+          <p:cNvSpPr>
+            <a:spLocks noGrp="1"/>
+          </p:cNvSpPr>
+          <p:nvPr>
+            <p:ph type="body" idx="2"/>
+          </p:nvPr>
+        </p:nvSpPr>
+        <p:spPr/>
+        <p:txBody>
+          <a:bodyPr/>
+          <a:lstStyle/>
+          <a:p>
+            <a:endParaRPr lang="en-US" dirty="0"/>
+          </a:p>
+        </p:txBody>
+      </p:sp>
+    </p:spTree>
+    <p:extLst>
+      <p:ext uri="{BB962C8B-B14F-4D97-AF65-F5344CB8AC3E}">
+        <p14:creationId xmlns:p14="http://schemas.microsoft.com/office/powerpoint/2010/main" val="1419092094"/>
+      </p:ext>
+    </p:extLst>
+  </p:cSld>
+  <p:clrMapOvr>
+    <a:masterClrMapping/>
+  </p:clrMapOvr>
+</p:sld>
+</file>
+
+<file path=ppt/slides/slide5.xml><?xml version="1.0" encoding="utf-8"?>
+<p:sld xmlns:a="http://schemas.openxmlformats.org/drawingml/2006/main" xmlns:r="http://schemas.openxmlformats.org/officeDocument/2006/relationships" xmlns:p="http://schemas.openxmlformats.org/presentationml/2006/main">
+  <p:cSld>
+    <p:spTree>
+      <p:nvGrpSpPr>
+        <p:cNvPr id="1" name=""/>
+        <p:cNvGrpSpPr/>
+        <p:nvPr/>
+      </p:nvGrpSpPr>
+      <p:grpSpPr>
+        <a:xfrm>
+          <a:off x="0" y="0"/>
+          <a:ext cx="0" cy="0"/>
+          <a:chOff x="0" y="0"/>
+          <a:chExt cx="0" cy="0"/>
+        </a:xfrm>
+      </p:grpSpPr>
+      <p:sp>
+        <p:nvSpPr>
+          <p:cNvPr id="2" name="Title 1"/>
+          <p:cNvSpPr>
+            <a:spLocks noGrp="1"/>
+          </p:cNvSpPr>
+          <p:nvPr>
+            <p:ph type="title"/>
+          </p:nvPr>
+        </p:nvSpPr>
+        <p:spPr/>
+        <p:txBody>
+          <a:bodyPr>
+            <a:normAutofit fontScale="90000"/>
+          </a:bodyPr>
+          <a:lstStyle/>
+          <a:p>
+            <a:r>
+              <a:rPr lang="en-US" dirty="0"/>
+              <a:t>FOREACH IN</a:t>
+            </a:r>
+            <a:br>
+              <a:rPr lang="en-US" dirty="0"/>
+            </a:br>
+            <a:r>
+              <a:rPr lang="en-US" sz="3600" dirty="0"/>
+              <a:t>Best Practices</a:t>
+            </a:r>
+          </a:p>
+        </p:txBody>
+      </p:sp>
+      <p:sp>
+        <p:nvSpPr>
+          <p:cNvPr id="4" name="Text Placeholder 3"/>
+          <p:cNvSpPr>
+            <a:spLocks noGrp="1"/>
+          </p:cNvSpPr>
+          <p:nvPr>
+            <p:ph type="body" idx="2"/>
+          </p:nvPr>
+        </p:nvSpPr>
+        <p:spPr/>
+        <p:txBody>
+          <a:bodyPr/>
+          <a:lstStyle/>
+          <a:p>
+            <a:endParaRPr lang="en-US" dirty="0"/>
+          </a:p>
+        </p:txBody>
+      </p:sp>
+      <p:sp>
+        <p:nvSpPr>
+          <p:cNvPr id="6" name="Text Placeholder 5"/>
+          <p:cNvSpPr>
+            <a:spLocks noGrp="1"/>
+          </p:cNvSpPr>
+          <p:nvPr>
+            <p:ph type="body" idx="1"/>
+          </p:nvPr>
+        </p:nvSpPr>
+        <p:spPr>
+          <a:xfrm>
+            <a:off x="457200" y="1600200"/>
+            <a:ext cx="7315200" cy="3200399"/>
+          </a:xfrm>
+        </p:spPr>
+        <p:txBody>
+          <a:bodyPr>
+            <a:normAutofit/>
+          </a:bodyPr>
+          <a:lstStyle/>
+          <a:p>
+            <a:r>
+              <a:rPr lang="en-US" dirty="0" err="1"/>
+              <a:t>Foreach</a:t>
+            </a:r>
+            <a:r>
+              <a:rPr lang="en-US" dirty="0"/>
+              <a:t> is intended when you want to iterate over all items in the container.</a:t>
+            </a:r>
+          </a:p>
+          <a:p>
+            <a:pPr lvl="1"/>
+            <a:r>
+              <a:rPr lang="en-US" dirty="0"/>
+              <a:t>Containers include Arrays and  Lists</a:t>
+            </a:r>
+          </a:p>
+          <a:p>
+            <a:r>
+              <a:rPr lang="en-US" dirty="0"/>
+              <a:t>There are ways to break the FOREACH IN early, but this is rare and for special cases only.  </a:t>
+            </a:r>
+          </a:p>
+          <a:p>
+            <a:endParaRPr lang="en-US" dirty="0"/>
+          </a:p>
+        </p:txBody>
+      </p:sp>
+    </p:spTree>
+    <p:extLst>
+      <p:ext uri="{BB962C8B-B14F-4D97-AF65-F5344CB8AC3E}">
+        <p14:creationId xmlns:p14="http://schemas.microsoft.com/office/powerpoint/2010/main" val="3562210552"/>
+      </p:ext>
+    </p:extLst>
+  </p:cSld>
+  <p:clrMapOvr>
+    <a:masterClrMapping/>
+  </p:clrMapOvr>
+</p:sld>
+</file>
+
+<file path=ppt/slides/slide6.xml><?xml version="1.0" encoding="utf-8"?>
+<p:sld xmlns:a="http://schemas.openxmlformats.org/drawingml/2006/main" xmlns:r="http://schemas.openxmlformats.org/officeDocument/2006/relationships" xmlns:p="http://schemas.openxmlformats.org/presentationml/2006/main">
+  <p:cSld>
+    <p:spTree>
+      <p:nvGrpSpPr>
+        <p:cNvPr id="1" name=""/>
+        <p:cNvGrpSpPr/>
+        <p:nvPr/>
+      </p:nvGrpSpPr>
+      <p:grpSpPr>
+        <a:xfrm>
+          <a:off x="0" y="0"/>
+          <a:ext cx="0" cy="0"/>
+          <a:chOff x="0" y="0"/>
+          <a:chExt cx="0" cy="0"/>
+        </a:xfrm>
+      </p:grpSpPr>
+      <p:sp>
+        <p:nvSpPr>
+          <p:cNvPr id="2" name="Title 1"/>
+          <p:cNvSpPr>
+            <a:spLocks noGrp="1"/>
+          </p:cNvSpPr>
+          <p:nvPr>
+            <p:ph type="title"/>
+          </p:nvPr>
+        </p:nvSpPr>
+        <p:spPr/>
+        <p:txBody>
+          <a:bodyPr/>
+          <a:lstStyle/>
+          <a:p>
+            <a:r>
+              <a:rPr lang="en-US" dirty="0"/>
+              <a:t>FOREACH IN</a:t>
+            </a:r>
+          </a:p>
+        </p:txBody>
+      </p:sp>
+      <p:sp>
+        <p:nvSpPr>
+          <p:cNvPr id="3" name="Text Placeholder 2"/>
+          <p:cNvSpPr>
+            <a:spLocks noGrp="1"/>
+          </p:cNvSpPr>
+          <p:nvPr>
+            <p:ph type="body" idx="1"/>
+          </p:nvPr>
+        </p:nvSpPr>
+        <p:spPr/>
+        <p:txBody>
+          <a:bodyPr>
+            <a:noAutofit/>
+          </a:bodyPr>
+          <a:lstStyle/>
+          <a:p>
+            <a:pPr marL="203200" indent="0">
+              <a:buNone/>
+            </a:pPr>
+            <a:r>
+              <a:rPr lang="en-US" sz="1800" b="1" dirty="0" err="1">
+                <a:latin typeface="Courier New" panose="02070309020205020404" pitchFamily="49" charset="0"/>
+                <a:cs typeface="Courier New" panose="02070309020205020404" pitchFamily="49" charset="0"/>
+              </a:rPr>
+              <a:t>foreach</a:t>
+            </a:r>
+            <a:r>
+              <a:rPr lang="en-US" sz="1800" b="1" dirty="0">
+                <a:latin typeface="Courier New" panose="02070309020205020404" pitchFamily="49" charset="0"/>
+                <a:cs typeface="Courier New" panose="02070309020205020404" pitchFamily="49" charset="0"/>
+              </a:rPr>
+              <a:t> (</a:t>
+            </a:r>
+            <a:r>
+              <a:rPr lang="en-US" sz="1800" b="1" dirty="0" err="1">
+                <a:latin typeface="Courier New" panose="02070309020205020404" pitchFamily="49" charset="0"/>
+                <a:cs typeface="Courier New" panose="02070309020205020404" pitchFamily="49" charset="0"/>
+              </a:rPr>
+              <a:t>typeInContainer</a:t>
+            </a:r>
+            <a:r>
+              <a:rPr lang="en-US" sz="1800" b="1" dirty="0">
+                <a:latin typeface="Courier New" panose="02070309020205020404" pitchFamily="49" charset="0"/>
+                <a:cs typeface="Courier New" panose="02070309020205020404" pitchFamily="49" charset="0"/>
+              </a:rPr>
+              <a:t> </a:t>
+            </a:r>
+            <a:r>
+              <a:rPr lang="en-US" sz="1800" b="1" dirty="0" err="1">
+                <a:latin typeface="Courier New" panose="02070309020205020404" pitchFamily="49" charset="0"/>
+                <a:cs typeface="Courier New" panose="02070309020205020404" pitchFamily="49" charset="0"/>
+              </a:rPr>
+              <a:t>elementName</a:t>
+            </a:r>
+            <a:r>
+              <a:rPr lang="en-US" sz="1800" b="1" dirty="0">
+                <a:latin typeface="Courier New" panose="02070309020205020404" pitchFamily="49" charset="0"/>
+                <a:cs typeface="Courier New" panose="02070309020205020404" pitchFamily="49" charset="0"/>
+              </a:rPr>
+              <a:t> in </a:t>
+            </a:r>
+            <a:r>
+              <a:rPr lang="en-US" sz="1800" b="1" dirty="0" err="1">
+                <a:latin typeface="Courier New" panose="02070309020205020404" pitchFamily="49" charset="0"/>
+                <a:cs typeface="Courier New" panose="02070309020205020404" pitchFamily="49" charset="0"/>
+              </a:rPr>
+              <a:t>containerName</a:t>
+            </a:r>
+            <a:r>
+              <a:rPr lang="en-US" sz="1800" b="1" dirty="0">
+                <a:latin typeface="Courier New" panose="02070309020205020404" pitchFamily="49" charset="0"/>
+                <a:cs typeface="Courier New" panose="02070309020205020404" pitchFamily="49" charset="0"/>
+              </a:rPr>
+              <a:t>)</a:t>
+            </a:r>
+          </a:p>
+          <a:p>
+            <a:pPr marL="203200" indent="0">
+              <a:buNone/>
+            </a:pPr>
+            <a:r>
+              <a:rPr lang="en-US" sz="1800" b="1" dirty="0">
+                <a:latin typeface="Courier New" panose="02070309020205020404" pitchFamily="49" charset="0"/>
+                <a:cs typeface="Courier New" panose="02070309020205020404" pitchFamily="49" charset="0"/>
+              </a:rPr>
+              <a:t>{</a:t>
+            </a:r>
+          </a:p>
+          <a:p>
+            <a:pPr marL="203200" indent="0">
+              <a:buNone/>
+            </a:pPr>
+            <a:r>
+              <a:rPr lang="en-US" sz="1800" b="1" dirty="0">
+                <a:latin typeface="Courier New" panose="02070309020205020404" pitchFamily="49" charset="0"/>
+                <a:cs typeface="Courier New" panose="02070309020205020404" pitchFamily="49" charset="0"/>
+              </a:rPr>
+              <a:t>		// code block</a:t>
+            </a:r>
+          </a:p>
+          <a:p>
+            <a:pPr marL="203200" indent="0">
+              <a:buNone/>
+            </a:pPr>
+            <a:r>
+              <a:rPr lang="en-US" sz="1800" b="1" dirty="0">
+                <a:latin typeface="Courier New" panose="02070309020205020404" pitchFamily="49" charset="0"/>
+                <a:cs typeface="Courier New" panose="02070309020205020404" pitchFamily="49" charset="0"/>
+              </a:rPr>
+              <a:t>}</a:t>
+            </a:r>
+          </a:p>
+          <a:p>
+            <a:pPr marL="203200" indent="0">
+              <a:buNone/>
+            </a:pPr>
+            <a:endParaRPr lang="en-US" sz="1800" b="1" dirty="0">
+              <a:latin typeface="Courier New" panose="02070309020205020404" pitchFamily="49" charset="0"/>
+              <a:cs typeface="Courier New" panose="02070309020205020404" pitchFamily="49" charset="0"/>
+            </a:endParaRPr>
+          </a:p>
+          <a:p>
+            <a:pPr marL="203200" indent="0">
+              <a:buNone/>
+            </a:pPr>
+            <a:endParaRPr lang="en-US" sz="1800" b="1" dirty="0">
+              <a:latin typeface="Courier New" panose="02070309020205020404" pitchFamily="49" charset="0"/>
+              <a:cs typeface="Courier New" panose="02070309020205020404" pitchFamily="49" charset="0"/>
+            </a:endParaRPr>
+          </a:p>
+        </p:txBody>
+      </p:sp>
+      <p:sp>
+        <p:nvSpPr>
+          <p:cNvPr id="4" name="Text Placeholder 3"/>
+          <p:cNvSpPr>
+            <a:spLocks noGrp="1"/>
+          </p:cNvSpPr>
+          <p:nvPr>
+            <p:ph type="body" idx="2"/>
+          </p:nvPr>
+        </p:nvSpPr>
+        <p:spPr/>
+        <p:txBody>
+          <a:bodyPr/>
+          <a:lstStyle/>
+          <a:p>
+            <a:endParaRPr lang="en-US" dirty="0"/>
+          </a:p>
+        </p:txBody>
+      </p:sp>
+    </p:spTree>
+    <p:extLst>
+      <p:ext uri="{BB962C8B-B14F-4D97-AF65-F5344CB8AC3E}">
+        <p14:creationId xmlns:p14="http://schemas.microsoft.com/office/powerpoint/2010/main" val="2192649799"/>
+      </p:ext>
+    </p:extLst>
+  </p:cSld>
+  <p:clrMapOvr>
+    <a:masterClrMapping/>
+  </p:clrMapOvr>
+</p:sld>
+</file>
+
+<file path=ppt/slides/slide7.xml><?xml version="1.0" encoding="utf-8"?>
+<p:sld xmlns:a="http://schemas.openxmlformats.org/drawingml/2006/main" xmlns:r="http://schemas.openxmlformats.org/officeDocument/2006/relationships" xmlns:p="http://schemas.openxmlformats.org/presentationml/2006/main">
+  <p:cSld>
+    <p:spTree>
+      <p:nvGrpSpPr>
+        <p:cNvPr id="1" name=""/>
+        <p:cNvGrpSpPr/>
+        <p:nvPr/>
+      </p:nvGrpSpPr>
+      <p:grpSpPr>
+        <a:xfrm>
+          <a:off x="0" y="0"/>
+          <a:ext cx="0" cy="0"/>
+          <a:chOff x="0" y="0"/>
+          <a:chExt cx="0" cy="0"/>
+        </a:xfrm>
+      </p:grpSpPr>
+      <p:sp>
+        <p:nvSpPr>
+          <p:cNvPr id="2" name="Title 1"/>
+          <p:cNvSpPr>
+            <a:spLocks noGrp="1"/>
+          </p:cNvSpPr>
+          <p:nvPr>
+            <p:ph type="title"/>
+          </p:nvPr>
+        </p:nvSpPr>
+        <p:spPr/>
+        <p:txBody>
+          <a:bodyPr>
+            <a:normAutofit fontScale="90000"/>
+          </a:bodyPr>
+          <a:lstStyle/>
+          <a:p>
+            <a:r>
+              <a:rPr lang="en-US" dirty="0"/>
+              <a:t>For &amp; </a:t>
+            </a:r>
+            <a:r>
+              <a:rPr lang="en-US" dirty="0" err="1"/>
+              <a:t>Foreach</a:t>
+            </a:r>
+            <a:r>
+              <a:rPr lang="en-US" dirty="0"/>
+              <a:t> </a:t>
+            </a:r>
+            <a:br>
+              <a:rPr lang="en-US" dirty="0"/>
+            </a:br>
+            <a:r>
+              <a:rPr lang="en-US" dirty="0"/>
+              <a:t>Examples</a:t>
+            </a:r>
+            <a:endParaRPr lang="en-US" sz="3600" dirty="0"/>
+          </a:p>
+        </p:txBody>
+      </p:sp>
+      <p:sp>
+        <p:nvSpPr>
+          <p:cNvPr id="4" name="Text Placeholder 3"/>
+          <p:cNvSpPr>
+            <a:spLocks noGrp="1"/>
+          </p:cNvSpPr>
+          <p:nvPr>
+            <p:ph type="body" idx="2"/>
+          </p:nvPr>
+        </p:nvSpPr>
+        <p:spPr/>
+        <p:txBody>
+          <a:bodyPr/>
+          <a:lstStyle/>
+          <a:p>
+            <a:endParaRPr lang="en-US" dirty="0"/>
+          </a:p>
+        </p:txBody>
+      </p:sp>
+      <p:sp>
+        <p:nvSpPr>
+          <p:cNvPr id="6" name="Text Placeholder 5"/>
+          <p:cNvSpPr>
+            <a:spLocks noGrp="1"/>
+          </p:cNvSpPr>
+          <p:nvPr>
+            <p:ph type="body" idx="1"/>
+          </p:nvPr>
+        </p:nvSpPr>
+        <p:spPr>
+          <a:xfrm>
+            <a:off x="457200" y="1600200"/>
+            <a:ext cx="7315200" cy="3200399"/>
+          </a:xfrm>
+        </p:spPr>
+        <p:txBody>
+          <a:bodyPr>
+            <a:normAutofit/>
+          </a:bodyPr>
+          <a:lstStyle/>
+          <a:p>
+            <a:r>
+              <a:rPr lang="en-US" dirty="0"/>
+              <a:t>MSDN C# Documentation features 3 examples using a For and </a:t>
+            </a:r>
+            <a:r>
+              <a:rPr lang="en-US" dirty="0" err="1"/>
+              <a:t>Foreach</a:t>
+            </a:r>
+            <a:r>
+              <a:rPr lang="en-US" dirty="0"/>
+              <a:t> In</a:t>
+            </a:r>
+          </a:p>
+          <a:p>
+            <a:pPr marL="203200" indent="0">
+              <a:buNone/>
+            </a:pPr>
+            <a:r>
+              <a:rPr lang="en-US" dirty="0">
+                <a:hlinkClick r:id="rId2"/>
+              </a:rPr>
+              <a:t>https://docs.microsoft.com/en-us/dotnet/csharp/language-reference/keywords/foreach-in</a:t>
+            </a:r>
+            <a:endParaRPr lang="en-US" dirty="0"/>
+          </a:p>
+          <a:p>
+            <a:endParaRPr lang="en-US" dirty="0"/>
+          </a:p>
+        </p:txBody>
+      </p:sp>
+    </p:spTree>
+    <p:extLst>
+      <p:ext uri="{BB962C8B-B14F-4D97-AF65-F5344CB8AC3E}">
+        <p14:creationId xmlns:p14="http://schemas.microsoft.com/office/powerpoint/2010/main" val="2298296088"/>
+      </p:ext>
+    </p:extLst>
+  </p:cSld>
+  <p:clrMapOvr>
+    <a:masterClrMapping/>
+  </p:clrMapOvr>
+</p:sld>
+</file>
+
+<file path=ppt/slides/slide8.xml><?xml version="1.0" encoding="utf-8"?>
+<p:sld xmlns:a="http://schemas.openxmlformats.org/drawingml/2006/main" xmlns:r="http://schemas.openxmlformats.org/officeDocument/2006/relationships" xmlns:p="http://schemas.openxmlformats.org/presentationml/2006/main">
+  <p:cSld>
+    <p:spTree>
+      <p:nvGrpSpPr>
+        <p:cNvPr id="1" name=""/>
+        <p:cNvGrpSpPr/>
+        <p:nvPr/>
+      </p:nvGrpSpPr>
+      <p:grpSpPr>
+        <a:xfrm>
+          <a:off x="0" y="0"/>
+          <a:ext cx="0" cy="0"/>
+          <a:chOff x="0" y="0"/>
+          <a:chExt cx="0" cy="0"/>
+        </a:xfrm>
+      </p:grpSpPr>
+      <p:sp>
+        <p:nvSpPr>
+          <p:cNvPr id="2" name="Title 1"/>
+          <p:cNvSpPr>
+            <a:spLocks noGrp="1"/>
+          </p:cNvSpPr>
+          <p:nvPr>
+            <p:ph type="title"/>
+          </p:nvPr>
+        </p:nvSpPr>
+        <p:spPr/>
+        <p:txBody>
+          <a:bodyPr>
+            <a:normAutofit fontScale="90000"/>
+          </a:bodyPr>
+          <a:lstStyle/>
+          <a:p>
+            <a:r>
+              <a:rPr lang="en-US" dirty="0"/>
               <a:t>WHILE \ DO WHILE</a:t>
             </a:r>
+            <a:br>
+              <a:rPr lang="en-US" dirty="0"/>
+            </a:br>
+            <a:r>
+              <a:rPr lang="en-US" sz="3600" dirty="0"/>
+              <a:t>Best Practices</a:t>
+            </a:r>
+          </a:p>
+        </p:txBody>
+      </p:sp>
+      <p:sp>
+        <p:nvSpPr>
+          <p:cNvPr id="4" name="Text Placeholder 3"/>
+          <p:cNvSpPr>
+            <a:spLocks noGrp="1"/>
+          </p:cNvSpPr>
+          <p:nvPr>
+            <p:ph type="body" idx="2"/>
+          </p:nvPr>
+        </p:nvSpPr>
+        <p:spPr/>
+        <p:txBody>
+          <a:bodyPr/>
+          <a:lstStyle/>
+          <a:p>
             <a:endParaRPr lang="en-US" dirty="0"/>
+          </a:p>
+        </p:txBody>
+      </p:sp>
+      <p:sp>
+        <p:nvSpPr>
+          <p:cNvPr id="6" name="Text Placeholder 5"/>
+          <p:cNvSpPr>
+            <a:spLocks noGrp="1"/>
+          </p:cNvSpPr>
+          <p:nvPr>
+            <p:ph type="body" idx="1"/>
+          </p:nvPr>
+        </p:nvSpPr>
+        <p:spPr>
+          <a:xfrm>
+            <a:off x="457200" y="1600200"/>
+            <a:ext cx="7315200" cy="3200399"/>
+          </a:xfrm>
+        </p:spPr>
+        <p:txBody>
+          <a:bodyPr>
+            <a:normAutofit lnSpcReduction="10000"/>
+          </a:bodyPr>
+          <a:lstStyle/>
+          <a:p>
+            <a:r>
+              <a:rPr lang="en-US" dirty="0"/>
+              <a:t>A while or do while loop is used when no don’t know the number times you could loop. </a:t>
+            </a:r>
+          </a:p>
+          <a:p>
+            <a:pPr marL="203200" indent="0">
+              <a:buNone/>
+            </a:pPr>
+            <a:endParaRPr lang="en-US" dirty="0"/>
+          </a:p>
+          <a:p>
+            <a:r>
+              <a:rPr lang="en-US" dirty="0"/>
+              <a:t>Use a Boolean to control the While Loop. </a:t>
+            </a:r>
+          </a:p>
+        </p:txBody>
+      </p:sp>
+    </p:spTree>
+    <p:extLst>
+      <p:ext uri="{BB962C8B-B14F-4D97-AF65-F5344CB8AC3E}">
+        <p14:creationId xmlns:p14="http://schemas.microsoft.com/office/powerpoint/2010/main" val="2521852615"/>
+      </p:ext>
+    </p:extLst>
+  </p:cSld>
+  <p:clrMapOvr>
+    <a:masterClrMapping/>
+  </p:clrMapOvr>
+</p:sld>
+</file>
+
+<file path=ppt/slides/slide9.xml><?xml version="1.0" encoding="utf-8"?>
+<p:sld xmlns:a="http://schemas.openxmlformats.org/drawingml/2006/main" xmlns:r="http://schemas.openxmlformats.org/officeDocument/2006/relationships" xmlns:p="http://schemas.openxmlformats.org/presentationml/2006/main">
+  <p:cSld>
+    <p:spTree>
+      <p:nvGrpSpPr>
+        <p:cNvPr id="1" name=""/>
+        <p:cNvGrpSpPr/>
+        <p:nvPr/>
+      </p:nvGrpSpPr>
+      <p:grpSpPr>
+        <a:xfrm>
+          <a:off x="0" y="0"/>
+          <a:ext cx="0" cy="0"/>
+          <a:chOff x="0" y="0"/>
+          <a:chExt cx="0" cy="0"/>
+        </a:xfrm>
+      </p:grpSpPr>
+      <p:sp>
+        <p:nvSpPr>
+          <p:cNvPr id="2" name="Title 1"/>
+          <p:cNvSpPr>
+            <a:spLocks noGrp="1"/>
+          </p:cNvSpPr>
+          <p:nvPr>
+            <p:ph type="title"/>
+          </p:nvPr>
+        </p:nvSpPr>
+        <p:spPr/>
+        <p:txBody>
+          <a:bodyPr/>
+          <a:lstStyle/>
+          <a:p>
+            <a:r>
+              <a:rPr lang="en-US" dirty="0"/>
+              <a:t>WHILE \ DO WHILE</a:t>
+            </a:r>
           </a:p>
         </p:txBody>
       </p:sp>
@@ -10424,24 +11233,17 @@
                 <a:latin typeface="Courier New" panose="02070309020205020404" pitchFamily="49" charset="0"/>
                 <a:cs typeface="Courier New" panose="02070309020205020404" pitchFamily="49" charset="0"/>
               </a:rPr>
-              <a:t>w</a:t>
-            </a:r>
-            <a:r>
-              <a:rPr lang="en-US" sz="1800" b="1" dirty="0" smtClean="0">
-                <a:latin typeface="Courier New" panose="02070309020205020404" pitchFamily="49" charset="0"/>
-                <a:cs typeface="Courier New" panose="02070309020205020404" pitchFamily="49" charset="0"/>
-              </a:rPr>
-              <a:t>hile (</a:t>
-            </a:r>
-            <a:r>
-              <a:rPr lang="en-US" sz="1800" b="1" i="1" dirty="0" smtClean="0">
+              <a:t>while (</a:t>
+            </a:r>
+            <a:r>
+              <a:rPr lang="en-US" sz="1800" b="1" i="1" dirty="0">
                 <a:latin typeface="Courier New" panose="02070309020205020404" pitchFamily="49" charset="0"/>
                 <a:cs typeface="Courier New" panose="02070309020205020404" pitchFamily="49" charset="0"/>
               </a:rPr>
               <a:t>conditional</a:t>
             </a:r>
             <a:r>
-              <a:rPr lang="en-US" sz="1800" b="1" dirty="0" smtClean="0">
+              <a:rPr lang="en-US" sz="1800" b="1" dirty="0">
                 <a:latin typeface="Courier New" panose="02070309020205020404" pitchFamily="49" charset="0"/>
                 <a:cs typeface="Courier New" panose="02070309020205020404" pitchFamily="49" charset="0"/>
               </a:rPr>
@@ -10453,7 +11255,7 @@
               <a:buNone/>
             </a:pPr>
             <a:r>
-              <a:rPr lang="en-US" sz="1800" b="1" dirty="0" smtClean="0">
+              <a:rPr lang="en-US" sz="1800" b="1" dirty="0">
                 <a:latin typeface="Courier New" panose="02070309020205020404" pitchFamily="49" charset="0"/>
                 <a:cs typeface="Courier New" panose="02070309020205020404" pitchFamily="49" charset="0"/>
               </a:rPr>
@@ -10465,7 +11267,7 @@
               <a:buNone/>
             </a:pPr>
             <a:r>
-              <a:rPr lang="en-US" sz="1400" b="1" dirty="0" smtClean="0">
+              <a:rPr lang="en-US" sz="1400" b="1" dirty="0">
                 <a:latin typeface="Courier New" panose="02070309020205020404" pitchFamily="49" charset="0"/>
                 <a:cs typeface="Courier New" panose="02070309020205020404" pitchFamily="49" charset="0"/>
               </a:rPr>
@@ -10477,16 +11279,12 @@
               <a:buNone/>
             </a:pPr>
             <a:r>
-              <a:rPr lang="en-US" sz="1800" b="1" dirty="0" smtClean="0">
+              <a:rPr lang="en-US" sz="1800" b="1" dirty="0">
                 <a:latin typeface="Courier New" panose="02070309020205020404" pitchFamily="49" charset="0"/>
                 <a:cs typeface="Courier New" panose="02070309020205020404" pitchFamily="49" charset="0"/>
               </a:rPr>
               <a:t>}</a:t>
             </a:r>
-            <a:endParaRPr lang="en-US" sz="1800" b="1" dirty="0">
-              <a:latin typeface="Courier New" panose="02070309020205020404" pitchFamily="49" charset="0"/>
-              <a:cs typeface="Courier New" panose="02070309020205020404" pitchFamily="49" charset="0"/>
-            </a:endParaRPr>
           </a:p>
         </p:txBody>
       </p:sp>
@@ -10749,7 +11547,7 @@
               <a:buNone/>
             </a:pPr>
             <a:r>
-              <a:rPr lang="en-US" sz="1800" b="1" dirty="0" smtClean="0">
+              <a:rPr lang="en-US" sz="1800" b="1" dirty="0">
                 <a:latin typeface="Courier New" panose="02070309020205020404" pitchFamily="49" charset="0"/>
                 <a:cs typeface="Courier New" panose="02070309020205020404" pitchFamily="49" charset="0"/>
               </a:rPr>
@@ -10762,7 +11560,7 @@
               <a:buNone/>
             </a:pPr>
             <a:r>
-              <a:rPr lang="en-US" sz="1800" b="1" dirty="0" smtClean="0">
+              <a:rPr lang="en-US" sz="1800" b="1" dirty="0">
                 <a:latin typeface="Courier New" panose="02070309020205020404" pitchFamily="49" charset="0"/>
                 <a:cs typeface="Courier New" panose="02070309020205020404" pitchFamily="49" charset="0"/>
               </a:rPr>
@@ -10775,7 +11573,7 @@
               <a:buNone/>
             </a:pPr>
             <a:r>
-              <a:rPr lang="en-US" sz="1800" b="1" dirty="0" smtClean="0">
+              <a:rPr lang="en-US" sz="1800" b="1" dirty="0">
                 <a:latin typeface="Courier New" panose="02070309020205020404" pitchFamily="49" charset="0"/>
                 <a:cs typeface="Courier New" panose="02070309020205020404" pitchFamily="49" charset="0"/>
               </a:rPr>
@@ -10788,30 +11586,26 @@
               <a:buNone/>
             </a:pPr>
             <a:r>
-              <a:rPr lang="en-US" sz="1800" b="1" dirty="0" smtClean="0">
+              <a:rPr lang="en-US" sz="1800" b="1" dirty="0">
                 <a:latin typeface="Courier New" panose="02070309020205020404" pitchFamily="49" charset="0"/>
                 <a:cs typeface="Courier New" panose="02070309020205020404" pitchFamily="49" charset="0"/>
               </a:rPr>
               <a:t>}  while (</a:t>
             </a:r>
             <a:r>
-              <a:rPr lang="en-US" sz="1800" b="1" i="1" dirty="0" smtClean="0">
+              <a:rPr lang="en-US" sz="1800" b="1" i="1" dirty="0">
                 <a:latin typeface="Courier New" panose="02070309020205020404" pitchFamily="49" charset="0"/>
                 <a:cs typeface="Courier New" panose="02070309020205020404" pitchFamily="49" charset="0"/>
               </a:rPr>
               <a:t>conditional</a:t>
             </a:r>
             <a:r>
-              <a:rPr lang="en-US" sz="1800" b="1" dirty="0" smtClean="0">
+              <a:rPr lang="en-US" sz="1800" b="1" dirty="0">
                 <a:latin typeface="Courier New" panose="02070309020205020404" pitchFamily="49" charset="0"/>
                 <a:cs typeface="Courier New" panose="02070309020205020404" pitchFamily="49" charset="0"/>
               </a:rPr>
               <a:t>)</a:t>
             </a:r>
-            <a:endParaRPr lang="en-US" sz="1800" b="1" dirty="0">
-              <a:latin typeface="Courier New" panose="02070309020205020404" pitchFamily="49" charset="0"/>
-              <a:cs typeface="Courier New" panose="02070309020205020404" pitchFamily="49" charset="0"/>
-            </a:endParaRPr>
           </a:p>
         </p:txBody>
       </p:sp>
@@ -11055,7 +11849,7 @@
               <a:buNone/>
             </a:pPr>
             <a:r>
-              <a:rPr lang="en-US" sz="1800" b="1" dirty="0" smtClean="0">
+              <a:rPr lang="en-US" sz="1800" b="1" dirty="0">
                 <a:latin typeface="+mn-lt"/>
                 <a:cs typeface="Courier New" panose="02070309020205020404" pitchFamily="49" charset="0"/>
               </a:rPr>
@@ -11068,7 +11862,7 @@
               <a:buNone/>
             </a:pPr>
             <a:r>
-              <a:rPr lang="en-US" sz="1800" b="1" dirty="0" smtClean="0">
+              <a:rPr lang="en-US" sz="1800" b="1" dirty="0">
                 <a:latin typeface="+mn-lt"/>
                 <a:cs typeface="Courier New" panose="02070309020205020404" pitchFamily="49" charset="0"/>
               </a:rPr>
@@ -11085,19 +11879,8 @@
                 <a:latin typeface="+mn-lt"/>
                 <a:cs typeface="Courier New" panose="02070309020205020404" pitchFamily="49" charset="0"/>
               </a:rPr>
-              <a:t>	</a:t>
-            </a:r>
-            <a:r>
-              <a:rPr lang="en-US" sz="1800" b="1" dirty="0" smtClean="0">
-                <a:latin typeface="+mn-lt"/>
-                <a:cs typeface="Courier New" panose="02070309020205020404" pitchFamily="49" charset="0"/>
-              </a:rPr>
-              <a:t>		Then check the conditional for additional loops</a:t>
-            </a:r>
-            <a:endParaRPr lang="en-US" sz="1800" b="1" dirty="0">
-              <a:latin typeface="+mn-lt"/>
-              <a:cs typeface="Courier New" panose="02070309020205020404" pitchFamily="49" charset="0"/>
-            </a:endParaRPr>
+              <a:t>			Then check the conditional for additional loops</a:t>
+            </a:r>
           </a:p>
         </p:txBody>
       </p:sp>
@@ -11111,973 +11894,6 @@
   <p:clrMapOvr>
     <a:masterClrMapping/>
   </p:clrMapOvr>
-  <p:timing>
-    <p:tnLst>
-      <p:par>
-        <p:cTn id="1" dur="indefinite" restart="never" nodeType="tmRoot"/>
-      </p:par>
-    </p:tnLst>
-  </p:timing>
-</p:sld>
-</file>
-
-<file path=ppt/slides/slide4.xml><?xml version="1.0" encoding="utf-8"?>
-<p:sld xmlns:a="http://schemas.openxmlformats.org/drawingml/2006/main" xmlns:r="http://schemas.openxmlformats.org/officeDocument/2006/relationships" xmlns:p="http://schemas.openxmlformats.org/presentationml/2006/main">
-  <p:cSld>
-    <p:spTree>
-      <p:nvGrpSpPr>
-        <p:cNvPr id="1" name=""/>
-        <p:cNvGrpSpPr/>
-        <p:nvPr/>
-      </p:nvGrpSpPr>
-      <p:grpSpPr>
-        <a:xfrm>
-          <a:off x="0" y="0"/>
-          <a:ext cx="0" cy="0"/>
-          <a:chOff x="0" y="0"/>
-          <a:chExt cx="0" cy="0"/>
-        </a:xfrm>
-      </p:grpSpPr>
-      <p:sp>
-        <p:nvSpPr>
-          <p:cNvPr id="2" name="Title 1"/>
-          <p:cNvSpPr>
-            <a:spLocks noGrp="1"/>
-          </p:cNvSpPr>
-          <p:nvPr>
-            <p:ph type="title"/>
-          </p:nvPr>
-        </p:nvSpPr>
-        <p:spPr/>
-        <p:txBody>
-          <a:bodyPr>
-            <a:normAutofit fontScale="90000"/>
-          </a:bodyPr>
-          <a:lstStyle/>
-          <a:p>
-            <a:r>
-              <a:rPr lang="en-US" dirty="0"/>
-              <a:t>WHILE \ DO WHILE</a:t>
-            </a:r>
-            <a:r>
-              <a:rPr lang="en-US" dirty="0" smtClean="0"/>
-              <a:t/>
-            </a:r>
-            <a:br>
-              <a:rPr lang="en-US" dirty="0" smtClean="0"/>
-            </a:br>
-            <a:r>
-              <a:rPr lang="en-US" sz="3600" dirty="0" smtClean="0"/>
-              <a:t>Best Practices</a:t>
-            </a:r>
-            <a:endParaRPr lang="en-US" sz="3600" dirty="0"/>
-          </a:p>
-        </p:txBody>
-      </p:sp>
-      <p:sp>
-        <p:nvSpPr>
-          <p:cNvPr id="4" name="Text Placeholder 3"/>
-          <p:cNvSpPr>
-            <a:spLocks noGrp="1"/>
-          </p:cNvSpPr>
-          <p:nvPr>
-            <p:ph type="body" idx="2"/>
-          </p:nvPr>
-        </p:nvSpPr>
-        <p:spPr/>
-        <p:txBody>
-          <a:bodyPr/>
-          <a:lstStyle/>
-          <a:p>
-            <a:endParaRPr lang="en-US" dirty="0"/>
-          </a:p>
-        </p:txBody>
-      </p:sp>
-      <p:sp>
-        <p:nvSpPr>
-          <p:cNvPr id="6" name="Text Placeholder 5"/>
-          <p:cNvSpPr>
-            <a:spLocks noGrp="1"/>
-          </p:cNvSpPr>
-          <p:nvPr>
-            <p:ph type="body" idx="1"/>
-          </p:nvPr>
-        </p:nvSpPr>
-        <p:spPr>
-          <a:xfrm>
-            <a:off x="457200" y="1600200"/>
-            <a:ext cx="7315200" cy="3200399"/>
-          </a:xfrm>
-        </p:spPr>
-        <p:txBody>
-          <a:bodyPr>
-            <a:normAutofit lnSpcReduction="10000"/>
-          </a:bodyPr>
-          <a:lstStyle/>
-          <a:p>
-            <a:r>
-              <a:rPr lang="en-US" dirty="0" smtClean="0"/>
-              <a:t>A while or do while loop is used when no don’t know the number times you could loop. </a:t>
-            </a:r>
-          </a:p>
-          <a:p>
-            <a:pPr marL="203200" indent="0">
-              <a:buNone/>
-            </a:pPr>
-            <a:endParaRPr lang="en-US" dirty="0" smtClean="0"/>
-          </a:p>
-          <a:p>
-            <a:r>
-              <a:rPr lang="en-US" dirty="0" smtClean="0"/>
-              <a:t>Use a Boolean to control the While Loop. </a:t>
-            </a:r>
-            <a:endParaRPr lang="en-US" dirty="0"/>
-          </a:p>
-        </p:txBody>
-      </p:sp>
-    </p:spTree>
-    <p:extLst>
-      <p:ext uri="{BB962C8B-B14F-4D97-AF65-F5344CB8AC3E}">
-        <p14:creationId xmlns:p14="http://schemas.microsoft.com/office/powerpoint/2010/main" val="2521852615"/>
-      </p:ext>
-    </p:extLst>
-  </p:cSld>
-  <p:clrMapOvr>
-    <a:masterClrMapping/>
-  </p:clrMapOvr>
-  <p:timing>
-    <p:tnLst>
-      <p:par>
-        <p:cTn id="1" dur="indefinite" restart="never" nodeType="tmRoot"/>
-      </p:par>
-    </p:tnLst>
-  </p:timing>
-</p:sld>
-</file>
-
-<file path=ppt/slides/slide5.xml><?xml version="1.0" encoding="utf-8"?>
-<p:sld xmlns:a="http://schemas.openxmlformats.org/drawingml/2006/main" xmlns:r="http://schemas.openxmlformats.org/officeDocument/2006/relationships" xmlns:p="http://schemas.openxmlformats.org/presentationml/2006/main">
-  <p:cSld>
-    <p:spTree>
-      <p:nvGrpSpPr>
-        <p:cNvPr id="1" name=""/>
-        <p:cNvGrpSpPr/>
-        <p:nvPr/>
-      </p:nvGrpSpPr>
-      <p:grpSpPr>
-        <a:xfrm>
-          <a:off x="0" y="0"/>
-          <a:ext cx="0" cy="0"/>
-          <a:chOff x="0" y="0"/>
-          <a:chExt cx="0" cy="0"/>
-        </a:xfrm>
-      </p:grpSpPr>
-      <p:sp>
-        <p:nvSpPr>
-          <p:cNvPr id="2" name="Title 1"/>
-          <p:cNvSpPr>
-            <a:spLocks noGrp="1"/>
-          </p:cNvSpPr>
-          <p:nvPr>
-            <p:ph type="title"/>
-          </p:nvPr>
-        </p:nvSpPr>
-        <p:spPr/>
-        <p:txBody>
-          <a:bodyPr/>
-          <a:lstStyle/>
-          <a:p>
-            <a:r>
-              <a:rPr lang="en-US" dirty="0" smtClean="0"/>
-              <a:t>FOR</a:t>
-            </a:r>
-            <a:endParaRPr lang="en-US" dirty="0"/>
-          </a:p>
-        </p:txBody>
-      </p:sp>
-      <p:sp>
-        <p:nvSpPr>
-          <p:cNvPr id="3" name="Text Placeholder 2"/>
-          <p:cNvSpPr>
-            <a:spLocks noGrp="1"/>
-          </p:cNvSpPr>
-          <p:nvPr>
-            <p:ph type="body" idx="1"/>
-          </p:nvPr>
-        </p:nvSpPr>
-        <p:spPr/>
-        <p:txBody>
-          <a:bodyPr>
-            <a:noAutofit/>
-          </a:bodyPr>
-          <a:lstStyle/>
-          <a:p>
-            <a:pPr marL="203200" indent="0">
-              <a:buNone/>
-            </a:pPr>
-            <a:r>
-              <a:rPr lang="en-US" sz="1800" b="1" dirty="0" smtClean="0">
-                <a:latin typeface="Courier New" panose="02070309020205020404" pitchFamily="49" charset="0"/>
-                <a:cs typeface="Courier New" panose="02070309020205020404" pitchFamily="49" charset="0"/>
-              </a:rPr>
-              <a:t>for (initializer ; conditional ; </a:t>
-            </a:r>
-            <a:r>
-              <a:rPr lang="en-US" sz="1800" b="1" dirty="0" err="1" smtClean="0">
-                <a:latin typeface="Courier New" panose="02070309020205020404" pitchFamily="49" charset="0"/>
-                <a:cs typeface="Courier New" panose="02070309020205020404" pitchFamily="49" charset="0"/>
-              </a:rPr>
-              <a:t>incrementer</a:t>
-            </a:r>
-            <a:r>
-              <a:rPr lang="en-US" sz="1800" b="1" dirty="0" smtClean="0">
-                <a:latin typeface="Courier New" panose="02070309020205020404" pitchFamily="49" charset="0"/>
-                <a:cs typeface="Courier New" panose="02070309020205020404" pitchFamily="49" charset="0"/>
-              </a:rPr>
-              <a:t> )</a:t>
-            </a:r>
-          </a:p>
-          <a:p>
-            <a:pPr marL="203200" indent="0">
-              <a:buNone/>
-            </a:pPr>
-            <a:r>
-              <a:rPr lang="en-US" sz="1800" b="1" dirty="0" smtClean="0">
-                <a:latin typeface="Courier New" panose="02070309020205020404" pitchFamily="49" charset="0"/>
-                <a:cs typeface="Courier New" panose="02070309020205020404" pitchFamily="49" charset="0"/>
-              </a:rPr>
-              <a:t>{</a:t>
-            </a:r>
-          </a:p>
-          <a:p>
-            <a:pPr marL="203200" indent="0">
-              <a:buNone/>
-            </a:pPr>
-            <a:r>
-              <a:rPr lang="en-US" sz="1800" b="1" dirty="0" smtClean="0">
-                <a:latin typeface="Courier New" panose="02070309020205020404" pitchFamily="49" charset="0"/>
-                <a:cs typeface="Courier New" panose="02070309020205020404" pitchFamily="49" charset="0"/>
-              </a:rPr>
-              <a:t>		// code block</a:t>
-            </a:r>
-          </a:p>
-          <a:p>
-            <a:pPr marL="203200" indent="0">
-              <a:buNone/>
-            </a:pPr>
-            <a:r>
-              <a:rPr lang="en-US" sz="1800" b="1" dirty="0" smtClean="0">
-                <a:latin typeface="Courier New" panose="02070309020205020404" pitchFamily="49" charset="0"/>
-                <a:cs typeface="Courier New" panose="02070309020205020404" pitchFamily="49" charset="0"/>
-              </a:rPr>
-              <a:t>}</a:t>
-            </a:r>
-            <a:endParaRPr lang="en-US" sz="1800" b="1" dirty="0" smtClean="0">
-              <a:latin typeface="Courier New" panose="02070309020205020404" pitchFamily="49" charset="0"/>
-              <a:cs typeface="Courier New" panose="02070309020205020404" pitchFamily="49" charset="0"/>
-            </a:endParaRPr>
-          </a:p>
-          <a:p>
-            <a:pPr marL="203200" indent="0">
-              <a:buNone/>
-            </a:pPr>
-            <a:endParaRPr lang="en-US" sz="1800" b="1" dirty="0" smtClean="0">
-              <a:latin typeface="Courier New" panose="02070309020205020404" pitchFamily="49" charset="0"/>
-              <a:cs typeface="Courier New" panose="02070309020205020404" pitchFamily="49" charset="0"/>
-            </a:endParaRPr>
-          </a:p>
-          <a:p>
-            <a:pPr marL="203200" indent="0">
-              <a:buNone/>
-            </a:pPr>
-            <a:endParaRPr lang="en-US" sz="1800" b="1" dirty="0">
-              <a:latin typeface="Courier New" panose="02070309020205020404" pitchFamily="49" charset="0"/>
-              <a:cs typeface="Courier New" panose="02070309020205020404" pitchFamily="49" charset="0"/>
-            </a:endParaRPr>
-          </a:p>
-        </p:txBody>
-      </p:sp>
-      <p:sp>
-        <p:nvSpPr>
-          <p:cNvPr id="4" name="Text Placeholder 3"/>
-          <p:cNvSpPr>
-            <a:spLocks noGrp="1"/>
-          </p:cNvSpPr>
-          <p:nvPr>
-            <p:ph type="body" idx="2"/>
-          </p:nvPr>
-        </p:nvSpPr>
-        <p:spPr/>
-        <p:txBody>
-          <a:bodyPr/>
-          <a:lstStyle/>
-          <a:p>
-            <a:endParaRPr lang="en-US" dirty="0"/>
-          </a:p>
-        </p:txBody>
-      </p:sp>
-    </p:spTree>
-    <p:extLst>
-      <p:ext uri="{BB962C8B-B14F-4D97-AF65-F5344CB8AC3E}">
-        <p14:creationId xmlns:p14="http://schemas.microsoft.com/office/powerpoint/2010/main" val="1419092094"/>
-      </p:ext>
-    </p:extLst>
-  </p:cSld>
-  <p:clrMapOvr>
-    <a:masterClrMapping/>
-  </p:clrMapOvr>
-  <p:timing>
-    <p:tnLst>
-      <p:par>
-        <p:cTn id="1" dur="indefinite" restart="never" nodeType="tmRoot"/>
-      </p:par>
-    </p:tnLst>
-  </p:timing>
-</p:sld>
-</file>
-
-<file path=ppt/slides/slide6.xml><?xml version="1.0" encoding="utf-8"?>
-<p:sld xmlns:a="http://schemas.openxmlformats.org/drawingml/2006/main" xmlns:r="http://schemas.openxmlformats.org/officeDocument/2006/relationships" xmlns:p="http://schemas.openxmlformats.org/presentationml/2006/main">
-  <p:cSld>
-    <p:spTree>
-      <p:nvGrpSpPr>
-        <p:cNvPr id="1" name=""/>
-        <p:cNvGrpSpPr/>
-        <p:nvPr/>
-      </p:nvGrpSpPr>
-      <p:grpSpPr>
-        <a:xfrm>
-          <a:off x="0" y="0"/>
-          <a:ext cx="0" cy="0"/>
-          <a:chOff x="0" y="0"/>
-          <a:chExt cx="0" cy="0"/>
-        </a:xfrm>
-      </p:grpSpPr>
-      <p:sp>
-        <p:nvSpPr>
-          <p:cNvPr id="2" name="Title 1"/>
-          <p:cNvSpPr>
-            <a:spLocks noGrp="1"/>
-          </p:cNvSpPr>
-          <p:nvPr>
-            <p:ph type="title"/>
-          </p:nvPr>
-        </p:nvSpPr>
-        <p:spPr/>
-        <p:txBody>
-          <a:bodyPr>
-            <a:normAutofit fontScale="90000"/>
-          </a:bodyPr>
-          <a:lstStyle/>
-          <a:p>
-            <a:r>
-              <a:rPr lang="en-US" dirty="0" smtClean="0"/>
-              <a:t>FOR</a:t>
-            </a:r>
-            <a:br>
-              <a:rPr lang="en-US" dirty="0" smtClean="0"/>
-            </a:br>
-            <a:r>
-              <a:rPr lang="en-US" sz="3600" dirty="0" smtClean="0"/>
-              <a:t>Best Practices</a:t>
-            </a:r>
-            <a:endParaRPr lang="en-US" sz="3600" dirty="0"/>
-          </a:p>
-        </p:txBody>
-      </p:sp>
-      <p:sp>
-        <p:nvSpPr>
-          <p:cNvPr id="4" name="Text Placeholder 3"/>
-          <p:cNvSpPr>
-            <a:spLocks noGrp="1"/>
-          </p:cNvSpPr>
-          <p:nvPr>
-            <p:ph type="body" idx="2"/>
-          </p:nvPr>
-        </p:nvSpPr>
-        <p:spPr/>
-        <p:txBody>
-          <a:bodyPr/>
-          <a:lstStyle/>
-          <a:p>
-            <a:endParaRPr lang="en-US" dirty="0"/>
-          </a:p>
-        </p:txBody>
-      </p:sp>
-      <p:sp>
-        <p:nvSpPr>
-          <p:cNvPr id="6" name="Text Placeholder 5"/>
-          <p:cNvSpPr>
-            <a:spLocks noGrp="1"/>
-          </p:cNvSpPr>
-          <p:nvPr>
-            <p:ph type="body" idx="1"/>
-          </p:nvPr>
-        </p:nvSpPr>
-        <p:spPr>
-          <a:xfrm>
-            <a:off x="457200" y="1600200"/>
-            <a:ext cx="7315200" cy="3200399"/>
-          </a:xfrm>
-        </p:spPr>
-        <p:txBody>
-          <a:bodyPr>
-            <a:normAutofit fontScale="92500" lnSpcReduction="10000"/>
-          </a:bodyPr>
-          <a:lstStyle/>
-          <a:p>
-            <a:r>
-              <a:rPr lang="en-US" dirty="0" smtClean="0"/>
-              <a:t>A for while loop is used when you know the number of times you’ll need to loop. </a:t>
-            </a:r>
-          </a:p>
-          <a:p>
-            <a:r>
-              <a:rPr lang="en-US" dirty="0" smtClean="0"/>
-              <a:t>If you need the information related to the index variable, declare the variable before the for loop.</a:t>
-            </a:r>
-          </a:p>
-          <a:p>
-            <a:pPr lvl="1"/>
-            <a:r>
-              <a:rPr lang="en-US" dirty="0"/>
-              <a:t> </a:t>
-            </a:r>
-            <a:r>
-              <a:rPr lang="en-US" dirty="0" smtClean="0"/>
-              <a:t>If you wanted to store the last index processed, for example </a:t>
-            </a:r>
-          </a:p>
-        </p:txBody>
-      </p:sp>
-    </p:spTree>
-    <p:extLst>
-      <p:ext uri="{BB962C8B-B14F-4D97-AF65-F5344CB8AC3E}">
-        <p14:creationId xmlns:p14="http://schemas.microsoft.com/office/powerpoint/2010/main" val="759618185"/>
-      </p:ext>
-    </p:extLst>
-  </p:cSld>
-  <p:clrMapOvr>
-    <a:masterClrMapping/>
-  </p:clrMapOvr>
-  <p:timing>
-    <p:tnLst>
-      <p:par>
-        <p:cTn id="1" dur="indefinite" restart="never" nodeType="tmRoot"/>
-      </p:par>
-    </p:tnLst>
-  </p:timing>
-</p:sld>
-</file>
-
-<file path=ppt/slides/slide7.xml><?xml version="1.0" encoding="utf-8"?>
-<p:sld xmlns:a="http://schemas.openxmlformats.org/drawingml/2006/main" xmlns:r="http://schemas.openxmlformats.org/officeDocument/2006/relationships" xmlns:p="http://schemas.openxmlformats.org/presentationml/2006/main">
-  <p:cSld>
-    <p:spTree>
-      <p:nvGrpSpPr>
-        <p:cNvPr id="1" name=""/>
-        <p:cNvGrpSpPr/>
-        <p:nvPr/>
-      </p:nvGrpSpPr>
-      <p:grpSpPr>
-        <a:xfrm>
-          <a:off x="0" y="0"/>
-          <a:ext cx="0" cy="0"/>
-          <a:chOff x="0" y="0"/>
-          <a:chExt cx="0" cy="0"/>
-        </a:xfrm>
-      </p:grpSpPr>
-      <p:sp>
-        <p:nvSpPr>
-          <p:cNvPr id="2" name="Title 1"/>
-          <p:cNvSpPr>
-            <a:spLocks noGrp="1"/>
-          </p:cNvSpPr>
-          <p:nvPr>
-            <p:ph type="title"/>
-          </p:nvPr>
-        </p:nvSpPr>
-        <p:spPr/>
-        <p:txBody>
-          <a:bodyPr/>
-          <a:lstStyle/>
-          <a:p>
-            <a:r>
-              <a:rPr lang="en-US" dirty="0" smtClean="0"/>
-              <a:t>FOREACH IN</a:t>
-            </a:r>
-            <a:endParaRPr lang="en-US" dirty="0"/>
-          </a:p>
-        </p:txBody>
-      </p:sp>
-      <p:sp>
-        <p:nvSpPr>
-          <p:cNvPr id="3" name="Text Placeholder 2"/>
-          <p:cNvSpPr>
-            <a:spLocks noGrp="1"/>
-          </p:cNvSpPr>
-          <p:nvPr>
-            <p:ph type="body" idx="1"/>
-          </p:nvPr>
-        </p:nvSpPr>
-        <p:spPr/>
-        <p:txBody>
-          <a:bodyPr>
-            <a:noAutofit/>
-          </a:bodyPr>
-          <a:lstStyle/>
-          <a:p>
-            <a:pPr marL="203200" indent="0">
-              <a:buNone/>
-            </a:pPr>
-            <a:r>
-              <a:rPr lang="en-US" sz="1800" b="1" dirty="0" err="1" smtClean="0">
-                <a:latin typeface="Courier New" panose="02070309020205020404" pitchFamily="49" charset="0"/>
-                <a:cs typeface="Courier New" panose="02070309020205020404" pitchFamily="49" charset="0"/>
-              </a:rPr>
-              <a:t>foreach</a:t>
-            </a:r>
-            <a:r>
-              <a:rPr lang="en-US" sz="1800" b="1" dirty="0" smtClean="0">
-                <a:latin typeface="Courier New" panose="02070309020205020404" pitchFamily="49" charset="0"/>
-                <a:cs typeface="Courier New" panose="02070309020205020404" pitchFamily="49" charset="0"/>
-              </a:rPr>
-              <a:t> (</a:t>
-            </a:r>
-            <a:r>
-              <a:rPr lang="en-US" sz="1800" b="1" dirty="0" err="1" smtClean="0">
-                <a:latin typeface="Courier New" panose="02070309020205020404" pitchFamily="49" charset="0"/>
-                <a:cs typeface="Courier New" panose="02070309020205020404" pitchFamily="49" charset="0"/>
-              </a:rPr>
-              <a:t>typeInContainer</a:t>
-            </a:r>
-            <a:r>
-              <a:rPr lang="en-US" sz="1800" b="1" dirty="0" smtClean="0">
-                <a:latin typeface="Courier New" panose="02070309020205020404" pitchFamily="49" charset="0"/>
-                <a:cs typeface="Courier New" panose="02070309020205020404" pitchFamily="49" charset="0"/>
-              </a:rPr>
-              <a:t> </a:t>
-            </a:r>
-            <a:r>
-              <a:rPr lang="en-US" sz="1800" b="1" dirty="0" err="1" smtClean="0">
-                <a:latin typeface="Courier New" panose="02070309020205020404" pitchFamily="49" charset="0"/>
-                <a:cs typeface="Courier New" panose="02070309020205020404" pitchFamily="49" charset="0"/>
-              </a:rPr>
-              <a:t>elementName</a:t>
-            </a:r>
-            <a:r>
-              <a:rPr lang="en-US" sz="1800" b="1" dirty="0" smtClean="0">
-                <a:latin typeface="Courier New" panose="02070309020205020404" pitchFamily="49" charset="0"/>
-                <a:cs typeface="Courier New" panose="02070309020205020404" pitchFamily="49" charset="0"/>
-              </a:rPr>
-              <a:t> in </a:t>
-            </a:r>
-            <a:r>
-              <a:rPr lang="en-US" sz="1800" b="1" dirty="0" err="1" smtClean="0">
-                <a:latin typeface="Courier New" panose="02070309020205020404" pitchFamily="49" charset="0"/>
-                <a:cs typeface="Courier New" panose="02070309020205020404" pitchFamily="49" charset="0"/>
-              </a:rPr>
-              <a:t>containerName</a:t>
-            </a:r>
-            <a:r>
-              <a:rPr lang="en-US" sz="1800" b="1" dirty="0" smtClean="0">
-                <a:latin typeface="Courier New" panose="02070309020205020404" pitchFamily="49" charset="0"/>
-                <a:cs typeface="Courier New" panose="02070309020205020404" pitchFamily="49" charset="0"/>
-              </a:rPr>
-              <a:t>)</a:t>
-            </a:r>
-          </a:p>
-          <a:p>
-            <a:pPr marL="203200" indent="0">
-              <a:buNone/>
-            </a:pPr>
-            <a:r>
-              <a:rPr lang="en-US" sz="1800" b="1" dirty="0" smtClean="0">
-                <a:latin typeface="Courier New" panose="02070309020205020404" pitchFamily="49" charset="0"/>
-                <a:cs typeface="Courier New" panose="02070309020205020404" pitchFamily="49" charset="0"/>
-              </a:rPr>
-              <a:t>{</a:t>
-            </a:r>
-          </a:p>
-          <a:p>
-            <a:pPr marL="203200" indent="0">
-              <a:buNone/>
-            </a:pPr>
-            <a:r>
-              <a:rPr lang="en-US" sz="1800" b="1" dirty="0" smtClean="0">
-                <a:latin typeface="Courier New" panose="02070309020205020404" pitchFamily="49" charset="0"/>
-                <a:cs typeface="Courier New" panose="02070309020205020404" pitchFamily="49" charset="0"/>
-              </a:rPr>
-              <a:t>		// code block</a:t>
-            </a:r>
-          </a:p>
-          <a:p>
-            <a:pPr marL="203200" indent="0">
-              <a:buNone/>
-            </a:pPr>
-            <a:r>
-              <a:rPr lang="en-US" sz="1800" b="1" dirty="0">
-                <a:latin typeface="Courier New" panose="02070309020205020404" pitchFamily="49" charset="0"/>
-                <a:cs typeface="Courier New" panose="02070309020205020404" pitchFamily="49" charset="0"/>
-              </a:rPr>
-              <a:t>}</a:t>
-            </a:r>
-            <a:endParaRPr lang="en-US" sz="1800" b="1" dirty="0" smtClean="0">
-              <a:latin typeface="Courier New" panose="02070309020205020404" pitchFamily="49" charset="0"/>
-              <a:cs typeface="Courier New" panose="02070309020205020404" pitchFamily="49" charset="0"/>
-            </a:endParaRPr>
-          </a:p>
-          <a:p>
-            <a:pPr marL="203200" indent="0">
-              <a:buNone/>
-            </a:pPr>
-            <a:endParaRPr lang="en-US" sz="1800" b="1" dirty="0" smtClean="0">
-              <a:latin typeface="Courier New" panose="02070309020205020404" pitchFamily="49" charset="0"/>
-              <a:cs typeface="Courier New" panose="02070309020205020404" pitchFamily="49" charset="0"/>
-            </a:endParaRPr>
-          </a:p>
-          <a:p>
-            <a:pPr marL="203200" indent="0">
-              <a:buNone/>
-            </a:pPr>
-            <a:endParaRPr lang="en-US" sz="1800" b="1" dirty="0">
-              <a:latin typeface="Courier New" panose="02070309020205020404" pitchFamily="49" charset="0"/>
-              <a:cs typeface="Courier New" panose="02070309020205020404" pitchFamily="49" charset="0"/>
-            </a:endParaRPr>
-          </a:p>
-        </p:txBody>
-      </p:sp>
-      <p:sp>
-        <p:nvSpPr>
-          <p:cNvPr id="4" name="Text Placeholder 3"/>
-          <p:cNvSpPr>
-            <a:spLocks noGrp="1"/>
-          </p:cNvSpPr>
-          <p:nvPr>
-            <p:ph type="body" idx="2"/>
-          </p:nvPr>
-        </p:nvSpPr>
-        <p:spPr/>
-        <p:txBody>
-          <a:bodyPr/>
-          <a:lstStyle/>
-          <a:p>
-            <a:endParaRPr lang="en-US" dirty="0"/>
-          </a:p>
-        </p:txBody>
-      </p:sp>
-    </p:spTree>
-    <p:extLst>
-      <p:ext uri="{BB962C8B-B14F-4D97-AF65-F5344CB8AC3E}">
-        <p14:creationId xmlns:p14="http://schemas.microsoft.com/office/powerpoint/2010/main" val="2192649799"/>
-      </p:ext>
-    </p:extLst>
-  </p:cSld>
-  <p:clrMapOvr>
-    <a:masterClrMapping/>
-  </p:clrMapOvr>
-  <p:timing>
-    <p:tnLst>
-      <p:par>
-        <p:cTn id="1" dur="indefinite" restart="never" nodeType="tmRoot"/>
-      </p:par>
-    </p:tnLst>
-  </p:timing>
-</p:sld>
-</file>
-
-<file path=ppt/slides/slide8.xml><?xml version="1.0" encoding="utf-8"?>
-<p:sld xmlns:a="http://schemas.openxmlformats.org/drawingml/2006/main" xmlns:r="http://schemas.openxmlformats.org/officeDocument/2006/relationships" xmlns:p="http://schemas.openxmlformats.org/presentationml/2006/main">
-  <p:cSld>
-    <p:spTree>
-      <p:nvGrpSpPr>
-        <p:cNvPr id="1" name=""/>
-        <p:cNvGrpSpPr/>
-        <p:nvPr/>
-      </p:nvGrpSpPr>
-      <p:grpSpPr>
-        <a:xfrm>
-          <a:off x="0" y="0"/>
-          <a:ext cx="0" cy="0"/>
-          <a:chOff x="0" y="0"/>
-          <a:chExt cx="0" cy="0"/>
-        </a:xfrm>
-      </p:grpSpPr>
-      <p:sp>
-        <p:nvSpPr>
-          <p:cNvPr id="2" name="Title 1"/>
-          <p:cNvSpPr>
-            <a:spLocks noGrp="1"/>
-          </p:cNvSpPr>
-          <p:nvPr>
-            <p:ph type="title"/>
-          </p:nvPr>
-        </p:nvSpPr>
-        <p:spPr/>
-        <p:txBody>
-          <a:bodyPr>
-            <a:normAutofit fontScale="90000"/>
-          </a:bodyPr>
-          <a:lstStyle/>
-          <a:p>
-            <a:r>
-              <a:rPr lang="en-US" dirty="0" smtClean="0"/>
-              <a:t>FOREACH IN</a:t>
-            </a:r>
-            <a:br>
-              <a:rPr lang="en-US" dirty="0" smtClean="0"/>
-            </a:br>
-            <a:r>
-              <a:rPr lang="en-US" sz="3600" dirty="0" smtClean="0"/>
-              <a:t>Best Practices</a:t>
-            </a:r>
-            <a:endParaRPr lang="en-US" sz="3600" dirty="0"/>
-          </a:p>
-        </p:txBody>
-      </p:sp>
-      <p:sp>
-        <p:nvSpPr>
-          <p:cNvPr id="4" name="Text Placeholder 3"/>
-          <p:cNvSpPr>
-            <a:spLocks noGrp="1"/>
-          </p:cNvSpPr>
-          <p:nvPr>
-            <p:ph type="body" idx="2"/>
-          </p:nvPr>
-        </p:nvSpPr>
-        <p:spPr/>
-        <p:txBody>
-          <a:bodyPr/>
-          <a:lstStyle/>
-          <a:p>
-            <a:endParaRPr lang="en-US" dirty="0"/>
-          </a:p>
-        </p:txBody>
-      </p:sp>
-      <p:sp>
-        <p:nvSpPr>
-          <p:cNvPr id="6" name="Text Placeholder 5"/>
-          <p:cNvSpPr>
-            <a:spLocks noGrp="1"/>
-          </p:cNvSpPr>
-          <p:nvPr>
-            <p:ph type="body" idx="1"/>
-          </p:nvPr>
-        </p:nvSpPr>
-        <p:spPr>
-          <a:xfrm>
-            <a:off x="457200" y="1600200"/>
-            <a:ext cx="7315200" cy="3200399"/>
-          </a:xfrm>
-        </p:spPr>
-        <p:txBody>
-          <a:bodyPr>
-            <a:normAutofit/>
-          </a:bodyPr>
-          <a:lstStyle/>
-          <a:p>
-            <a:r>
-              <a:rPr lang="en-US" dirty="0" err="1" smtClean="0"/>
-              <a:t>Foreach</a:t>
-            </a:r>
-            <a:r>
-              <a:rPr lang="en-US" dirty="0" smtClean="0"/>
-              <a:t> is intended when you want to iterate over all items in the container.</a:t>
-            </a:r>
-          </a:p>
-          <a:p>
-            <a:pPr lvl="1"/>
-            <a:r>
-              <a:rPr lang="en-US" dirty="0"/>
-              <a:t>Containers include Arrays and  </a:t>
-            </a:r>
-            <a:r>
-              <a:rPr lang="en-US" dirty="0" smtClean="0"/>
-              <a:t>Lists</a:t>
-            </a:r>
-          </a:p>
-          <a:p>
-            <a:r>
-              <a:rPr lang="en-US" dirty="0" smtClean="0"/>
-              <a:t>There are ways to break the FOREACH IN early, but this is rare and for special cases only.  </a:t>
-            </a:r>
-          </a:p>
-          <a:p>
-            <a:endParaRPr lang="en-US" dirty="0" smtClean="0"/>
-          </a:p>
-        </p:txBody>
-      </p:sp>
-    </p:spTree>
-    <p:extLst>
-      <p:ext uri="{BB962C8B-B14F-4D97-AF65-F5344CB8AC3E}">
-        <p14:creationId xmlns:p14="http://schemas.microsoft.com/office/powerpoint/2010/main" val="3562210552"/>
-      </p:ext>
-    </p:extLst>
-  </p:cSld>
-  <p:clrMapOvr>
-    <a:masterClrMapping/>
-  </p:clrMapOvr>
-  <p:timing>
-    <p:tnLst>
-      <p:par>
-        <p:cTn id="1" dur="indefinite" restart="never" nodeType="tmRoot"/>
-      </p:par>
-    </p:tnLst>
-  </p:timing>
-</p:sld>
-</file>
-
-<file path=ppt/slides/slide9.xml><?xml version="1.0" encoding="utf-8"?>
-<p:sld xmlns:a="http://schemas.openxmlformats.org/drawingml/2006/main" xmlns:r="http://schemas.openxmlformats.org/officeDocument/2006/relationships" xmlns:p="http://schemas.openxmlformats.org/presentationml/2006/main">
-  <p:cSld>
-    <p:spTree>
-      <p:nvGrpSpPr>
-        <p:cNvPr id="1" name=""/>
-        <p:cNvGrpSpPr/>
-        <p:nvPr/>
-      </p:nvGrpSpPr>
-      <p:grpSpPr>
-        <a:xfrm>
-          <a:off x="0" y="0"/>
-          <a:ext cx="0" cy="0"/>
-          <a:chOff x="0" y="0"/>
-          <a:chExt cx="0" cy="0"/>
-        </a:xfrm>
-      </p:grpSpPr>
-      <p:sp>
-        <p:nvSpPr>
-          <p:cNvPr id="2" name="Title 1"/>
-          <p:cNvSpPr>
-            <a:spLocks noGrp="1"/>
-          </p:cNvSpPr>
-          <p:nvPr>
-            <p:ph type="title"/>
-          </p:nvPr>
-        </p:nvSpPr>
-        <p:spPr/>
-        <p:txBody>
-          <a:bodyPr>
-            <a:normAutofit fontScale="90000"/>
-          </a:bodyPr>
-          <a:lstStyle/>
-          <a:p>
-            <a:r>
-              <a:rPr lang="en-US" dirty="0" smtClean="0"/>
-              <a:t>For &amp; </a:t>
-            </a:r>
-            <a:r>
-              <a:rPr lang="en-US" dirty="0" err="1" smtClean="0"/>
-              <a:t>Foreach</a:t>
-            </a:r>
-            <a:r>
-              <a:rPr lang="en-US" dirty="0" smtClean="0"/>
-              <a:t> </a:t>
-            </a:r>
-            <a:br>
-              <a:rPr lang="en-US" dirty="0" smtClean="0"/>
-            </a:br>
-            <a:r>
-              <a:rPr lang="en-US" dirty="0" smtClean="0"/>
-              <a:t>Examples</a:t>
-            </a:r>
-            <a:endParaRPr lang="en-US" sz="3600" dirty="0"/>
-          </a:p>
-        </p:txBody>
-      </p:sp>
-      <p:sp>
-        <p:nvSpPr>
-          <p:cNvPr id="4" name="Text Placeholder 3"/>
-          <p:cNvSpPr>
-            <a:spLocks noGrp="1"/>
-          </p:cNvSpPr>
-          <p:nvPr>
-            <p:ph type="body" idx="2"/>
-          </p:nvPr>
-        </p:nvSpPr>
-        <p:spPr/>
-        <p:txBody>
-          <a:bodyPr/>
-          <a:lstStyle/>
-          <a:p>
-            <a:endParaRPr lang="en-US" dirty="0"/>
-          </a:p>
-        </p:txBody>
-      </p:sp>
-      <p:sp>
-        <p:nvSpPr>
-          <p:cNvPr id="6" name="Text Placeholder 5"/>
-          <p:cNvSpPr>
-            <a:spLocks noGrp="1"/>
-          </p:cNvSpPr>
-          <p:nvPr>
-            <p:ph type="body" idx="1"/>
-          </p:nvPr>
-        </p:nvSpPr>
-        <p:spPr>
-          <a:xfrm>
-            <a:off x="457200" y="1600200"/>
-            <a:ext cx="7315200" cy="3200399"/>
-          </a:xfrm>
-        </p:spPr>
-        <p:txBody>
-          <a:bodyPr>
-            <a:normAutofit/>
-          </a:bodyPr>
-          <a:lstStyle/>
-          <a:p>
-            <a:r>
-              <a:rPr lang="en-US" dirty="0" smtClean="0"/>
-              <a:t>MSDN C# Documentation features 3 examples using a For and </a:t>
-            </a:r>
-            <a:r>
-              <a:rPr lang="en-US" dirty="0" err="1" smtClean="0"/>
-              <a:t>Foreach</a:t>
-            </a:r>
-            <a:r>
-              <a:rPr lang="en-US" dirty="0" smtClean="0"/>
-              <a:t> In</a:t>
-            </a:r>
-          </a:p>
-          <a:p>
-            <a:pPr marL="203200" indent="0">
-              <a:buNone/>
-            </a:pPr>
-            <a:r>
-              <a:rPr lang="en-US" dirty="0">
-                <a:hlinkClick r:id="rId2"/>
-              </a:rPr>
-              <a:t>https://</a:t>
-            </a:r>
-            <a:r>
-              <a:rPr lang="en-US" dirty="0" smtClean="0">
-                <a:hlinkClick r:id="rId2"/>
-              </a:rPr>
-              <a:t>docs.microsoft.com/en-us/dotnet/csharp/language-reference/keywords/foreach-in</a:t>
-            </a:r>
-            <a:endParaRPr lang="en-US" dirty="0" smtClean="0"/>
-          </a:p>
-          <a:p>
-            <a:endParaRPr lang="en-US" dirty="0" smtClean="0"/>
-          </a:p>
-        </p:txBody>
-      </p:sp>
-    </p:spTree>
-    <p:extLst>
-      <p:ext uri="{BB962C8B-B14F-4D97-AF65-F5344CB8AC3E}">
-        <p14:creationId xmlns:p14="http://schemas.microsoft.com/office/powerpoint/2010/main" val="2298296088"/>
-      </p:ext>
-    </p:extLst>
-  </p:cSld>
-  <p:clrMapOvr>
-    <a:masterClrMapping/>
-  </p:clrMapOvr>
-  <p:timing>
-    <p:tnLst>
-      <p:par>
-        <p:cTn id="1" dur="indefinite" restart="never" nodeType="tmRoot"/>
-      </p:par>
-    </p:tnLst>
-  </p:timing>
 </p:sld>
 </file>
 
